--- a/Figures/Presentation_angles.pptx
+++ b/Figures/Presentation_angles.pptx
@@ -22,6 +22,7 @@
     <p:sldId id="266" r:id="rId16"/>
     <p:sldId id="274" r:id="rId17"/>
     <p:sldId id="267" r:id="rId18"/>
+    <p:sldId id="275" r:id="rId19"/>
   </p:sldIdLst>
   <p:sldSz cx="12192000" cy="6858000"/>
   <p:notesSz cx="6858000" cy="9144000"/>
@@ -275,7 +276,7 @@
           <a:p>
             <a:fld id="{B5AB4581-C692-0743-9C31-F8DD88C995A7}" type="datetimeFigureOut">
               <a:rPr lang="fr-FR" smtClean="0"/>
-              <a:t>01/05/2025</a:t>
+              <a:t>05/05/2025</a:t>
             </a:fld>
             <a:endParaRPr lang="fr-FR"/>
           </a:p>
@@ -473,7 +474,7 @@
           <a:p>
             <a:fld id="{B5AB4581-C692-0743-9C31-F8DD88C995A7}" type="datetimeFigureOut">
               <a:rPr lang="fr-FR" smtClean="0"/>
-              <a:t>01/05/2025</a:t>
+              <a:t>05/05/2025</a:t>
             </a:fld>
             <a:endParaRPr lang="fr-FR"/>
           </a:p>
@@ -681,7 +682,7 @@
           <a:p>
             <a:fld id="{B5AB4581-C692-0743-9C31-F8DD88C995A7}" type="datetimeFigureOut">
               <a:rPr lang="fr-FR" smtClean="0"/>
-              <a:t>01/05/2025</a:t>
+              <a:t>05/05/2025</a:t>
             </a:fld>
             <a:endParaRPr lang="fr-FR"/>
           </a:p>
@@ -879,7 +880,7 @@
           <a:p>
             <a:fld id="{B5AB4581-C692-0743-9C31-F8DD88C995A7}" type="datetimeFigureOut">
               <a:rPr lang="fr-FR" smtClean="0"/>
-              <a:t>01/05/2025</a:t>
+              <a:t>05/05/2025</a:t>
             </a:fld>
             <a:endParaRPr lang="fr-FR"/>
           </a:p>
@@ -1154,7 +1155,7 @@
           <a:p>
             <a:fld id="{B5AB4581-C692-0743-9C31-F8DD88C995A7}" type="datetimeFigureOut">
               <a:rPr lang="fr-FR" smtClean="0"/>
-              <a:t>01/05/2025</a:t>
+              <a:t>05/05/2025</a:t>
             </a:fld>
             <a:endParaRPr lang="fr-FR"/>
           </a:p>
@@ -1419,7 +1420,7 @@
           <a:p>
             <a:fld id="{B5AB4581-C692-0743-9C31-F8DD88C995A7}" type="datetimeFigureOut">
               <a:rPr lang="fr-FR" smtClean="0"/>
-              <a:t>01/05/2025</a:t>
+              <a:t>05/05/2025</a:t>
             </a:fld>
             <a:endParaRPr lang="fr-FR"/>
           </a:p>
@@ -1831,7 +1832,7 @@
           <a:p>
             <a:fld id="{B5AB4581-C692-0743-9C31-F8DD88C995A7}" type="datetimeFigureOut">
               <a:rPr lang="fr-FR" smtClean="0"/>
-              <a:t>01/05/2025</a:t>
+              <a:t>05/05/2025</a:t>
             </a:fld>
             <a:endParaRPr lang="fr-FR"/>
           </a:p>
@@ -1972,7 +1973,7 @@
           <a:p>
             <a:fld id="{B5AB4581-C692-0743-9C31-F8DD88C995A7}" type="datetimeFigureOut">
               <a:rPr lang="fr-FR" smtClean="0"/>
-              <a:t>01/05/2025</a:t>
+              <a:t>05/05/2025</a:t>
             </a:fld>
             <a:endParaRPr lang="fr-FR"/>
           </a:p>
@@ -2085,7 +2086,7 @@
           <a:p>
             <a:fld id="{B5AB4581-C692-0743-9C31-F8DD88C995A7}" type="datetimeFigureOut">
               <a:rPr lang="fr-FR" smtClean="0"/>
-              <a:t>01/05/2025</a:t>
+              <a:t>05/05/2025</a:t>
             </a:fld>
             <a:endParaRPr lang="fr-FR"/>
           </a:p>
@@ -2396,7 +2397,7 @@
           <a:p>
             <a:fld id="{B5AB4581-C692-0743-9C31-F8DD88C995A7}" type="datetimeFigureOut">
               <a:rPr lang="fr-FR" smtClean="0"/>
-              <a:t>01/05/2025</a:t>
+              <a:t>05/05/2025</a:t>
             </a:fld>
             <a:endParaRPr lang="fr-FR"/>
           </a:p>
@@ -2684,7 +2685,7 @@
           <a:p>
             <a:fld id="{B5AB4581-C692-0743-9C31-F8DD88C995A7}" type="datetimeFigureOut">
               <a:rPr lang="fr-FR" smtClean="0"/>
-              <a:t>01/05/2025</a:t>
+              <a:t>05/05/2025</a:t>
             </a:fld>
             <a:endParaRPr lang="fr-FR"/>
           </a:p>
@@ -2925,7 +2926,7 @@
           <a:p>
             <a:fld id="{B5AB4581-C692-0743-9C31-F8DD88C995A7}" type="datetimeFigureOut">
               <a:rPr lang="fr-FR" smtClean="0"/>
-              <a:t>01/05/2025</a:t>
+              <a:t>05/05/2025</a:t>
             </a:fld>
             <a:endParaRPr lang="fr-FR"/>
           </a:p>
@@ -4598,6 +4599,86 @@
     <p:extLst>
       <p:ext uri="{BB962C8B-B14F-4D97-AF65-F5344CB8AC3E}">
         <p14:creationId xmlns:p14="http://schemas.microsoft.com/office/powerpoint/2010/main" val="3506318676"/>
+      </p:ext>
+    </p:extLst>
+  </p:cSld>
+  <p:clrMapOvr>
+    <a:masterClrMapping/>
+  </p:clrMapOvr>
+</p:sld>
+</file>
+
+<file path=ppt/slides/slide18.xml><?xml version="1.0" encoding="utf-8"?>
+<p:sld xmlns:a="http://schemas.openxmlformats.org/drawingml/2006/main" xmlns:r="http://schemas.openxmlformats.org/officeDocument/2006/relationships" xmlns:p="http://schemas.openxmlformats.org/presentationml/2006/main">
+  <p:cSld>
+    <p:spTree>
+      <p:nvGrpSpPr>
+        <p:cNvPr id="1" name=""/>
+        <p:cNvGrpSpPr/>
+        <p:nvPr/>
+      </p:nvGrpSpPr>
+      <p:grpSpPr>
+        <a:xfrm>
+          <a:off x="0" y="0"/>
+          <a:ext cx="0" cy="0"/>
+          <a:chOff x="0" y="0"/>
+          <a:chExt cx="0" cy="0"/>
+        </a:xfrm>
+      </p:grpSpPr>
+      <p:sp>
+        <p:nvSpPr>
+          <p:cNvPr id="2" name="Titre 1">
+            <a:extLst>
+              <a:ext uri="{FF2B5EF4-FFF2-40B4-BE49-F238E27FC236}">
+                <a16:creationId xmlns:a16="http://schemas.microsoft.com/office/drawing/2014/main" id="{44D8D38E-DE81-C319-5310-13F2E9919399}"/>
+              </a:ext>
+            </a:extLst>
+          </p:cNvPr>
+          <p:cNvSpPr>
+            <a:spLocks noGrp="1"/>
+          </p:cNvSpPr>
+          <p:nvPr>
+            <p:ph type="title"/>
+          </p:nvPr>
+        </p:nvSpPr>
+        <p:spPr/>
+        <p:txBody>
+          <a:bodyPr/>
+          <a:lstStyle/>
+          <a:p>
+            <a:endParaRPr lang="fr-FR"/>
+          </a:p>
+        </p:txBody>
+      </p:sp>
+      <p:sp>
+        <p:nvSpPr>
+          <p:cNvPr id="3" name="Espace réservé du contenu 2">
+            <a:extLst>
+              <a:ext uri="{FF2B5EF4-FFF2-40B4-BE49-F238E27FC236}">
+                <a16:creationId xmlns:a16="http://schemas.microsoft.com/office/drawing/2014/main" id="{4F2209E6-BFC2-D159-1860-94225A40D859}"/>
+              </a:ext>
+            </a:extLst>
+          </p:cNvPr>
+          <p:cNvSpPr>
+            <a:spLocks noGrp="1"/>
+          </p:cNvSpPr>
+          <p:nvPr>
+            <p:ph idx="1"/>
+          </p:nvPr>
+        </p:nvSpPr>
+        <p:spPr/>
+        <p:txBody>
+          <a:bodyPr/>
+          <a:lstStyle/>
+          <a:p>
+            <a:endParaRPr lang="fr-FR"/>
+          </a:p>
+        </p:txBody>
+      </p:sp>
+    </p:spTree>
+    <p:extLst>
+      <p:ext uri="{BB962C8B-B14F-4D97-AF65-F5344CB8AC3E}">
+        <p14:creationId xmlns:p14="http://schemas.microsoft.com/office/powerpoint/2010/main" val="1838795230"/>
       </p:ext>
     </p:extLst>
   </p:cSld>

--- a/Figures/Presentation_angles.pptx
+++ b/Figures/Presentation_angles.pptx
@@ -4,6 +4,9 @@
   <p:sldMasterIdLst>
     <p:sldMasterId id="2147483648" r:id="rId1"/>
   </p:sldMasterIdLst>
+  <p:notesMasterIdLst>
+    <p:notesMasterId r:id="rId51"/>
+  </p:notesMasterIdLst>
   <p:sldIdLst>
     <p:sldId id="256" r:id="rId2"/>
     <p:sldId id="260" r:id="rId3"/>
@@ -22,7 +25,38 @@
     <p:sldId id="266" r:id="rId16"/>
     <p:sldId id="274" r:id="rId17"/>
     <p:sldId id="267" r:id="rId18"/>
-    <p:sldId id="275" r:id="rId19"/>
+    <p:sldId id="276" r:id="rId19"/>
+    <p:sldId id="275" r:id="rId20"/>
+    <p:sldId id="279" r:id="rId21"/>
+    <p:sldId id="278" r:id="rId22"/>
+    <p:sldId id="280" r:id="rId23"/>
+    <p:sldId id="277" r:id="rId24"/>
+    <p:sldId id="281" r:id="rId25"/>
+    <p:sldId id="282" r:id="rId26"/>
+    <p:sldId id="283" r:id="rId27"/>
+    <p:sldId id="284" r:id="rId28"/>
+    <p:sldId id="285" r:id="rId29"/>
+    <p:sldId id="286" r:id="rId30"/>
+    <p:sldId id="287" r:id="rId31"/>
+    <p:sldId id="288" r:id="rId32"/>
+    <p:sldId id="289" r:id="rId33"/>
+    <p:sldId id="290" r:id="rId34"/>
+    <p:sldId id="291" r:id="rId35"/>
+    <p:sldId id="292" r:id="rId36"/>
+    <p:sldId id="293" r:id="rId37"/>
+    <p:sldId id="294" r:id="rId38"/>
+    <p:sldId id="295" r:id="rId39"/>
+    <p:sldId id="296" r:id="rId40"/>
+    <p:sldId id="297" r:id="rId41"/>
+    <p:sldId id="298" r:id="rId42"/>
+    <p:sldId id="299" r:id="rId43"/>
+    <p:sldId id="300" r:id="rId44"/>
+    <p:sldId id="301" r:id="rId45"/>
+    <p:sldId id="302" r:id="rId46"/>
+    <p:sldId id="303" r:id="rId47"/>
+    <p:sldId id="304" r:id="rId48"/>
+    <p:sldId id="305" r:id="rId49"/>
+    <p:sldId id="306" r:id="rId50"/>
   </p:sldIdLst>
   <p:sldSz cx="12192000" cy="6858000"/>
   <p:notesSz cx="6858000" cy="9144000"/>
@@ -129,6 +163,439 @@
 </p:presentation>
 </file>
 
+<file path=ppt/notesMasters/notesMaster1.xml><?xml version="1.0" encoding="utf-8"?>
+<p:notesMaster xmlns:a="http://schemas.openxmlformats.org/drawingml/2006/main" xmlns:r="http://schemas.openxmlformats.org/officeDocument/2006/relationships" xmlns:p="http://schemas.openxmlformats.org/presentationml/2006/main">
+  <p:cSld>
+    <p:bg>
+      <p:bgRef idx="1001">
+        <a:schemeClr val="bg1"/>
+      </p:bgRef>
+    </p:bg>
+    <p:spTree>
+      <p:nvGrpSpPr>
+        <p:cNvPr id="1" name=""/>
+        <p:cNvGrpSpPr/>
+        <p:nvPr/>
+      </p:nvGrpSpPr>
+      <p:grpSpPr>
+        <a:xfrm>
+          <a:off x="0" y="0"/>
+          <a:ext cx="0" cy="0"/>
+          <a:chOff x="0" y="0"/>
+          <a:chExt cx="0" cy="0"/>
+        </a:xfrm>
+      </p:grpSpPr>
+      <p:sp>
+        <p:nvSpPr>
+          <p:cNvPr id="2" name="Espace réservé de l'en-tête 1"/>
+          <p:cNvSpPr>
+            <a:spLocks noGrp="1"/>
+          </p:cNvSpPr>
+          <p:nvPr>
+            <p:ph type="hdr" sz="quarter"/>
+          </p:nvPr>
+        </p:nvSpPr>
+        <p:spPr>
+          <a:xfrm>
+            <a:off x="0" y="0"/>
+            <a:ext cx="2971800" cy="458788"/>
+          </a:xfrm>
+          <a:prstGeom prst="rect">
+            <a:avLst/>
+          </a:prstGeom>
+        </p:spPr>
+        <p:txBody>
+          <a:bodyPr vert="horz" lIns="91440" tIns="45720" rIns="91440" bIns="45720" rtlCol="0"/>
+          <a:lstStyle>
+            <a:lvl1pPr algn="l">
+              <a:defRPr sz="1200"/>
+            </a:lvl1pPr>
+          </a:lstStyle>
+          <a:p>
+            <a:endParaRPr lang="fr-FR"/>
+          </a:p>
+        </p:txBody>
+      </p:sp>
+      <p:sp>
+        <p:nvSpPr>
+          <p:cNvPr id="3" name="Espace réservé de la date 2"/>
+          <p:cNvSpPr>
+            <a:spLocks noGrp="1"/>
+          </p:cNvSpPr>
+          <p:nvPr>
+            <p:ph type="dt" idx="1"/>
+          </p:nvPr>
+        </p:nvSpPr>
+        <p:spPr>
+          <a:xfrm>
+            <a:off x="3884613" y="0"/>
+            <a:ext cx="2971800" cy="458788"/>
+          </a:xfrm>
+          <a:prstGeom prst="rect">
+            <a:avLst/>
+          </a:prstGeom>
+        </p:spPr>
+        <p:txBody>
+          <a:bodyPr vert="horz" lIns="91440" tIns="45720" rIns="91440" bIns="45720" rtlCol="0"/>
+          <a:lstStyle>
+            <a:lvl1pPr algn="r">
+              <a:defRPr sz="1200"/>
+            </a:lvl1pPr>
+          </a:lstStyle>
+          <a:p>
+            <a:fld id="{0CBE4532-FB8E-044B-B6DD-92108EFFB24E}" type="datetimeFigureOut">
+              <a:rPr lang="fr-FR" smtClean="0"/>
+              <a:t>01/06/2025</a:t>
+            </a:fld>
+            <a:endParaRPr lang="fr-FR"/>
+          </a:p>
+        </p:txBody>
+      </p:sp>
+      <p:sp>
+        <p:nvSpPr>
+          <p:cNvPr id="4" name="Espace réservé de l'image des diapositives 3"/>
+          <p:cNvSpPr>
+            <a:spLocks noGrp="1" noRot="1" noChangeAspect="1"/>
+          </p:cNvSpPr>
+          <p:nvPr>
+            <p:ph type="sldImg" idx="2"/>
+          </p:nvPr>
+        </p:nvSpPr>
+        <p:spPr>
+          <a:xfrm>
+            <a:off x="685800" y="1143000"/>
+            <a:ext cx="5486400" cy="3086100"/>
+          </a:xfrm>
+          <a:prstGeom prst="rect">
+            <a:avLst/>
+          </a:prstGeom>
+          <a:noFill/>
+          <a:ln w="12700">
+            <a:solidFill>
+              <a:prstClr val="black"/>
+            </a:solidFill>
+          </a:ln>
+        </p:spPr>
+        <p:txBody>
+          <a:bodyPr vert="horz" lIns="91440" tIns="45720" rIns="91440" bIns="45720" rtlCol="0" anchor="ctr"/>
+          <a:lstStyle/>
+          <a:p>
+            <a:endParaRPr lang="fr-FR"/>
+          </a:p>
+        </p:txBody>
+      </p:sp>
+      <p:sp>
+        <p:nvSpPr>
+          <p:cNvPr id="5" name="Espace réservé des notes 4"/>
+          <p:cNvSpPr>
+            <a:spLocks noGrp="1"/>
+          </p:cNvSpPr>
+          <p:nvPr>
+            <p:ph type="body" sz="quarter" idx="3"/>
+          </p:nvPr>
+        </p:nvSpPr>
+        <p:spPr>
+          <a:xfrm>
+            <a:off x="685800" y="4400550"/>
+            <a:ext cx="5486400" cy="3600450"/>
+          </a:xfrm>
+          <a:prstGeom prst="rect">
+            <a:avLst/>
+          </a:prstGeom>
+        </p:spPr>
+        <p:txBody>
+          <a:bodyPr vert="horz" lIns="91440" tIns="45720" rIns="91440" bIns="45720" rtlCol="0"/>
+          <a:lstStyle/>
+          <a:p>
+            <a:pPr lvl="0"/>
+            <a:r>
+              <a:rPr lang="fr-FR"/>
+              <a:t>Cliquez pour modifier les styles du texte du masque</a:t>
+            </a:r>
+          </a:p>
+          <a:p>
+            <a:pPr lvl="1"/>
+            <a:r>
+              <a:rPr lang="fr-FR"/>
+              <a:t>Deuxième niveau</a:t>
+            </a:r>
+          </a:p>
+          <a:p>
+            <a:pPr lvl="2"/>
+            <a:r>
+              <a:rPr lang="fr-FR"/>
+              <a:t>Troisième niveau</a:t>
+            </a:r>
+          </a:p>
+          <a:p>
+            <a:pPr lvl="3"/>
+            <a:r>
+              <a:rPr lang="fr-FR"/>
+              <a:t>Quatrième niveau</a:t>
+            </a:r>
+          </a:p>
+          <a:p>
+            <a:pPr lvl="4"/>
+            <a:r>
+              <a:rPr lang="fr-FR"/>
+              <a:t>Cinquième niveau</a:t>
+            </a:r>
+          </a:p>
+        </p:txBody>
+      </p:sp>
+      <p:sp>
+        <p:nvSpPr>
+          <p:cNvPr id="6" name="Espace réservé du pied de page 5"/>
+          <p:cNvSpPr>
+            <a:spLocks noGrp="1"/>
+          </p:cNvSpPr>
+          <p:nvPr>
+            <p:ph type="ftr" sz="quarter" idx="4"/>
+          </p:nvPr>
+        </p:nvSpPr>
+        <p:spPr>
+          <a:xfrm>
+            <a:off x="0" y="8685213"/>
+            <a:ext cx="2971800" cy="458787"/>
+          </a:xfrm>
+          <a:prstGeom prst="rect">
+            <a:avLst/>
+          </a:prstGeom>
+        </p:spPr>
+        <p:txBody>
+          <a:bodyPr vert="horz" lIns="91440" tIns="45720" rIns="91440" bIns="45720" rtlCol="0" anchor="b"/>
+          <a:lstStyle>
+            <a:lvl1pPr algn="l">
+              <a:defRPr sz="1200"/>
+            </a:lvl1pPr>
+          </a:lstStyle>
+          <a:p>
+            <a:endParaRPr lang="fr-FR"/>
+          </a:p>
+        </p:txBody>
+      </p:sp>
+      <p:sp>
+        <p:nvSpPr>
+          <p:cNvPr id="7" name="Espace réservé du numéro de diapositive 6"/>
+          <p:cNvSpPr>
+            <a:spLocks noGrp="1"/>
+          </p:cNvSpPr>
+          <p:nvPr>
+            <p:ph type="sldNum" sz="quarter" idx="5"/>
+          </p:nvPr>
+        </p:nvSpPr>
+        <p:spPr>
+          <a:xfrm>
+            <a:off x="3884613" y="8685213"/>
+            <a:ext cx="2971800" cy="458787"/>
+          </a:xfrm>
+          <a:prstGeom prst="rect">
+            <a:avLst/>
+          </a:prstGeom>
+        </p:spPr>
+        <p:txBody>
+          <a:bodyPr vert="horz" lIns="91440" tIns="45720" rIns="91440" bIns="45720" rtlCol="0" anchor="b"/>
+          <a:lstStyle>
+            <a:lvl1pPr algn="r">
+              <a:defRPr sz="1200"/>
+            </a:lvl1pPr>
+          </a:lstStyle>
+          <a:p>
+            <a:fld id="{6183A9BE-012E-774F-A233-B08E48A8569A}" type="slidenum">
+              <a:rPr lang="fr-FR" smtClean="0"/>
+              <a:t>‹N°›</a:t>
+            </a:fld>
+            <a:endParaRPr lang="fr-FR"/>
+          </a:p>
+        </p:txBody>
+      </p:sp>
+    </p:spTree>
+    <p:extLst>
+      <p:ext uri="{BB962C8B-B14F-4D97-AF65-F5344CB8AC3E}">
+        <p14:creationId xmlns:p14="http://schemas.microsoft.com/office/powerpoint/2010/main" val="3264844021"/>
+      </p:ext>
+    </p:extLst>
+  </p:cSld>
+  <p:clrMap bg1="lt1" tx1="dk1" bg2="lt2" tx2="dk2" accent1="accent1" accent2="accent2" accent3="accent3" accent4="accent4" accent5="accent5" accent6="accent6" hlink="hlink" folHlink="folHlink"/>
+  <p:notesStyle>
+    <a:lvl1pPr marL="0" algn="l" defTabSz="914400" rtl="0" eaLnBrk="1" latinLnBrk="0" hangingPunct="1">
+      <a:defRPr sz="1200" kern="1200">
+        <a:solidFill>
+          <a:schemeClr val="tx1"/>
+        </a:solidFill>
+        <a:latin typeface="+mn-lt"/>
+        <a:ea typeface="+mn-ea"/>
+        <a:cs typeface="+mn-cs"/>
+      </a:defRPr>
+    </a:lvl1pPr>
+    <a:lvl2pPr marL="457200" algn="l" defTabSz="914400" rtl="0" eaLnBrk="1" latinLnBrk="0" hangingPunct="1">
+      <a:defRPr sz="1200" kern="1200">
+        <a:solidFill>
+          <a:schemeClr val="tx1"/>
+        </a:solidFill>
+        <a:latin typeface="+mn-lt"/>
+        <a:ea typeface="+mn-ea"/>
+        <a:cs typeface="+mn-cs"/>
+      </a:defRPr>
+    </a:lvl2pPr>
+    <a:lvl3pPr marL="914400" algn="l" defTabSz="914400" rtl="0" eaLnBrk="1" latinLnBrk="0" hangingPunct="1">
+      <a:defRPr sz="1200" kern="1200">
+        <a:solidFill>
+          <a:schemeClr val="tx1"/>
+        </a:solidFill>
+        <a:latin typeface="+mn-lt"/>
+        <a:ea typeface="+mn-ea"/>
+        <a:cs typeface="+mn-cs"/>
+      </a:defRPr>
+    </a:lvl3pPr>
+    <a:lvl4pPr marL="1371600" algn="l" defTabSz="914400" rtl="0" eaLnBrk="1" latinLnBrk="0" hangingPunct="1">
+      <a:defRPr sz="1200" kern="1200">
+        <a:solidFill>
+          <a:schemeClr val="tx1"/>
+        </a:solidFill>
+        <a:latin typeface="+mn-lt"/>
+        <a:ea typeface="+mn-ea"/>
+        <a:cs typeface="+mn-cs"/>
+      </a:defRPr>
+    </a:lvl4pPr>
+    <a:lvl5pPr marL="1828800" algn="l" defTabSz="914400" rtl="0" eaLnBrk="1" latinLnBrk="0" hangingPunct="1">
+      <a:defRPr sz="1200" kern="1200">
+        <a:solidFill>
+          <a:schemeClr val="tx1"/>
+        </a:solidFill>
+        <a:latin typeface="+mn-lt"/>
+        <a:ea typeface="+mn-ea"/>
+        <a:cs typeface="+mn-cs"/>
+      </a:defRPr>
+    </a:lvl5pPr>
+    <a:lvl6pPr marL="2286000" algn="l" defTabSz="914400" rtl="0" eaLnBrk="1" latinLnBrk="0" hangingPunct="1">
+      <a:defRPr sz="1200" kern="1200">
+        <a:solidFill>
+          <a:schemeClr val="tx1"/>
+        </a:solidFill>
+        <a:latin typeface="+mn-lt"/>
+        <a:ea typeface="+mn-ea"/>
+        <a:cs typeface="+mn-cs"/>
+      </a:defRPr>
+    </a:lvl6pPr>
+    <a:lvl7pPr marL="2743200" algn="l" defTabSz="914400" rtl="0" eaLnBrk="1" latinLnBrk="0" hangingPunct="1">
+      <a:defRPr sz="1200" kern="1200">
+        <a:solidFill>
+          <a:schemeClr val="tx1"/>
+        </a:solidFill>
+        <a:latin typeface="+mn-lt"/>
+        <a:ea typeface="+mn-ea"/>
+        <a:cs typeface="+mn-cs"/>
+      </a:defRPr>
+    </a:lvl7pPr>
+    <a:lvl8pPr marL="3200400" algn="l" defTabSz="914400" rtl="0" eaLnBrk="1" latinLnBrk="0" hangingPunct="1">
+      <a:defRPr sz="1200" kern="1200">
+        <a:solidFill>
+          <a:schemeClr val="tx1"/>
+        </a:solidFill>
+        <a:latin typeface="+mn-lt"/>
+        <a:ea typeface="+mn-ea"/>
+        <a:cs typeface="+mn-cs"/>
+      </a:defRPr>
+    </a:lvl8pPr>
+    <a:lvl9pPr marL="3657600" algn="l" defTabSz="914400" rtl="0" eaLnBrk="1" latinLnBrk="0" hangingPunct="1">
+      <a:defRPr sz="1200" kern="1200">
+        <a:solidFill>
+          <a:schemeClr val="tx1"/>
+        </a:solidFill>
+        <a:latin typeface="+mn-lt"/>
+        <a:ea typeface="+mn-ea"/>
+        <a:cs typeface="+mn-cs"/>
+      </a:defRPr>
+    </a:lvl9pPr>
+  </p:notesStyle>
+</p:notesMaster>
+</file>
+
+<file path=ppt/notesSlides/notesSlide1.xml><?xml version="1.0" encoding="utf-8"?>
+<p:notes xmlns:a="http://schemas.openxmlformats.org/drawingml/2006/main" xmlns:r="http://schemas.openxmlformats.org/officeDocument/2006/relationships" xmlns:p="http://schemas.openxmlformats.org/presentationml/2006/main">
+  <p:cSld>
+    <p:spTree>
+      <p:nvGrpSpPr>
+        <p:cNvPr id="1" name=""/>
+        <p:cNvGrpSpPr/>
+        <p:nvPr/>
+      </p:nvGrpSpPr>
+      <p:grpSpPr>
+        <a:xfrm>
+          <a:off x="0" y="0"/>
+          <a:ext cx="0" cy="0"/>
+          <a:chOff x="0" y="0"/>
+          <a:chExt cx="0" cy="0"/>
+        </a:xfrm>
+      </p:grpSpPr>
+      <p:sp>
+        <p:nvSpPr>
+          <p:cNvPr id="2" name="Espace réservé de l'image des diapositives 1"/>
+          <p:cNvSpPr>
+            <a:spLocks noGrp="1" noRot="1" noChangeAspect="1"/>
+          </p:cNvSpPr>
+          <p:nvPr>
+            <p:ph type="sldImg"/>
+          </p:nvPr>
+        </p:nvSpPr>
+        <p:spPr/>
+      </p:sp>
+      <p:sp>
+        <p:nvSpPr>
+          <p:cNvPr id="3" name="Espace réservé des notes 2"/>
+          <p:cNvSpPr>
+            <a:spLocks noGrp="1"/>
+          </p:cNvSpPr>
+          <p:nvPr>
+            <p:ph type="body" idx="1"/>
+          </p:nvPr>
+        </p:nvSpPr>
+        <p:spPr/>
+        <p:txBody>
+          <a:bodyPr/>
+          <a:lstStyle/>
+          <a:p>
+            <a:endParaRPr lang="fr-FR" dirty="0"/>
+          </a:p>
+        </p:txBody>
+      </p:sp>
+      <p:sp>
+        <p:nvSpPr>
+          <p:cNvPr id="4" name="Espace réservé du numéro de diapositive 3"/>
+          <p:cNvSpPr>
+            <a:spLocks noGrp="1"/>
+          </p:cNvSpPr>
+          <p:nvPr>
+            <p:ph type="sldNum" sz="quarter" idx="5"/>
+          </p:nvPr>
+        </p:nvSpPr>
+        <p:spPr/>
+        <p:txBody>
+          <a:bodyPr/>
+          <a:lstStyle/>
+          <a:p>
+            <a:fld id="{6183A9BE-012E-774F-A233-B08E48A8569A}" type="slidenum">
+              <a:rPr lang="fr-FR" smtClean="0"/>
+              <a:t>29</a:t>
+            </a:fld>
+            <a:endParaRPr lang="fr-FR"/>
+          </a:p>
+        </p:txBody>
+      </p:sp>
+    </p:spTree>
+    <p:extLst>
+      <p:ext uri="{BB962C8B-B14F-4D97-AF65-F5344CB8AC3E}">
+        <p14:creationId xmlns:p14="http://schemas.microsoft.com/office/powerpoint/2010/main" val="609162558"/>
+      </p:ext>
+    </p:extLst>
+  </p:cSld>
+  <p:clrMapOvr>
+    <a:masterClrMapping/>
+  </p:clrMapOvr>
+</p:notes>
+</file>
+
 <file path=ppt/slideLayouts/slideLayout1.xml><?xml version="1.0" encoding="utf-8"?>
 <p:sldLayout xmlns:a="http://schemas.openxmlformats.org/drawingml/2006/main" xmlns:r="http://schemas.openxmlformats.org/officeDocument/2006/relationships" xmlns:p="http://schemas.openxmlformats.org/presentationml/2006/main" type="title" preserve="1">
   <p:cSld name="Diapositive de titre">
@@ -276,7 +743,7 @@
           <a:p>
             <a:fld id="{B5AB4581-C692-0743-9C31-F8DD88C995A7}" type="datetimeFigureOut">
               <a:rPr lang="fr-FR" smtClean="0"/>
-              <a:t>05/05/2025</a:t>
+              <a:t>01/06/2025</a:t>
             </a:fld>
             <a:endParaRPr lang="fr-FR"/>
           </a:p>
@@ -474,7 +941,7 @@
           <a:p>
             <a:fld id="{B5AB4581-C692-0743-9C31-F8DD88C995A7}" type="datetimeFigureOut">
               <a:rPr lang="fr-FR" smtClean="0"/>
-              <a:t>05/05/2025</a:t>
+              <a:t>01/06/2025</a:t>
             </a:fld>
             <a:endParaRPr lang="fr-FR"/>
           </a:p>
@@ -682,7 +1149,7 @@
           <a:p>
             <a:fld id="{B5AB4581-C692-0743-9C31-F8DD88C995A7}" type="datetimeFigureOut">
               <a:rPr lang="fr-FR" smtClean="0"/>
-              <a:t>05/05/2025</a:t>
+              <a:t>01/06/2025</a:t>
             </a:fld>
             <a:endParaRPr lang="fr-FR"/>
           </a:p>
@@ -880,7 +1347,7 @@
           <a:p>
             <a:fld id="{B5AB4581-C692-0743-9C31-F8DD88C995A7}" type="datetimeFigureOut">
               <a:rPr lang="fr-FR" smtClean="0"/>
-              <a:t>05/05/2025</a:t>
+              <a:t>01/06/2025</a:t>
             </a:fld>
             <a:endParaRPr lang="fr-FR"/>
           </a:p>
@@ -1155,7 +1622,7 @@
           <a:p>
             <a:fld id="{B5AB4581-C692-0743-9C31-F8DD88C995A7}" type="datetimeFigureOut">
               <a:rPr lang="fr-FR" smtClean="0"/>
-              <a:t>05/05/2025</a:t>
+              <a:t>01/06/2025</a:t>
             </a:fld>
             <a:endParaRPr lang="fr-FR"/>
           </a:p>
@@ -1420,7 +1887,7 @@
           <a:p>
             <a:fld id="{B5AB4581-C692-0743-9C31-F8DD88C995A7}" type="datetimeFigureOut">
               <a:rPr lang="fr-FR" smtClean="0"/>
-              <a:t>05/05/2025</a:t>
+              <a:t>01/06/2025</a:t>
             </a:fld>
             <a:endParaRPr lang="fr-FR"/>
           </a:p>
@@ -1832,7 +2299,7 @@
           <a:p>
             <a:fld id="{B5AB4581-C692-0743-9C31-F8DD88C995A7}" type="datetimeFigureOut">
               <a:rPr lang="fr-FR" smtClean="0"/>
-              <a:t>05/05/2025</a:t>
+              <a:t>01/06/2025</a:t>
             </a:fld>
             <a:endParaRPr lang="fr-FR"/>
           </a:p>
@@ -1973,7 +2440,7 @@
           <a:p>
             <a:fld id="{B5AB4581-C692-0743-9C31-F8DD88C995A7}" type="datetimeFigureOut">
               <a:rPr lang="fr-FR" smtClean="0"/>
-              <a:t>05/05/2025</a:t>
+              <a:t>01/06/2025</a:t>
             </a:fld>
             <a:endParaRPr lang="fr-FR"/>
           </a:p>
@@ -2086,7 +2553,7 @@
           <a:p>
             <a:fld id="{B5AB4581-C692-0743-9C31-F8DD88C995A7}" type="datetimeFigureOut">
               <a:rPr lang="fr-FR" smtClean="0"/>
-              <a:t>05/05/2025</a:t>
+              <a:t>01/06/2025</a:t>
             </a:fld>
             <a:endParaRPr lang="fr-FR"/>
           </a:p>
@@ -2397,7 +2864,7 @@
           <a:p>
             <a:fld id="{B5AB4581-C692-0743-9C31-F8DD88C995A7}" type="datetimeFigureOut">
               <a:rPr lang="fr-FR" smtClean="0"/>
-              <a:t>05/05/2025</a:t>
+              <a:t>01/06/2025</a:t>
             </a:fld>
             <a:endParaRPr lang="fr-FR"/>
           </a:p>
@@ -2685,7 +3152,7 @@
           <a:p>
             <a:fld id="{B5AB4581-C692-0743-9C31-F8DD88C995A7}" type="datetimeFigureOut">
               <a:rPr lang="fr-FR" smtClean="0"/>
-              <a:t>05/05/2025</a:t>
+              <a:t>01/06/2025</a:t>
             </a:fld>
             <a:endParaRPr lang="fr-FR"/>
           </a:p>
@@ -2926,7 +3393,7 @@
           <a:p>
             <a:fld id="{B5AB4581-C692-0743-9C31-F8DD88C995A7}" type="datetimeFigureOut">
               <a:rPr lang="fr-FR" smtClean="0"/>
-              <a:t>05/05/2025</a:t>
+              <a:t>01/06/2025</a:t>
             </a:fld>
             <a:endParaRPr lang="fr-FR"/>
           </a:p>
@@ -4630,6 +5097,93 @@
           <p:cNvPr id="2" name="Titre 1">
             <a:extLst>
               <a:ext uri="{FF2B5EF4-FFF2-40B4-BE49-F238E27FC236}">
+                <a16:creationId xmlns:a16="http://schemas.microsoft.com/office/drawing/2014/main" id="{A172FE85-EE24-E76C-BF2A-94D8CA2B911A}"/>
+              </a:ext>
+            </a:extLst>
+          </p:cNvPr>
+          <p:cNvSpPr>
+            <a:spLocks noGrp="1"/>
+          </p:cNvSpPr>
+          <p:nvPr>
+            <p:ph type="title"/>
+          </p:nvPr>
+        </p:nvSpPr>
+        <p:spPr/>
+        <p:txBody>
+          <a:bodyPr/>
+          <a:lstStyle/>
+          <a:p>
+            <a:r>
+              <a:rPr lang="fr-FR" dirty="0"/>
+              <a:t>1</a:t>
+            </a:r>
+          </a:p>
+        </p:txBody>
+      </p:sp>
+      <p:pic>
+        <p:nvPicPr>
+          <p:cNvPr id="5" name="Espace réservé du contenu 4">
+            <a:extLst>
+              <a:ext uri="{FF2B5EF4-FFF2-40B4-BE49-F238E27FC236}">
+                <a16:creationId xmlns:a16="http://schemas.microsoft.com/office/drawing/2014/main" id="{53CE3B11-B64D-A3B4-3A85-AB5689468F0B}"/>
+              </a:ext>
+            </a:extLst>
+          </p:cNvPr>
+          <p:cNvPicPr>
+            <a:picLocks noGrp="1" noChangeAspect="1"/>
+          </p:cNvPicPr>
+          <p:nvPr>
+            <p:ph idx="1"/>
+          </p:nvPr>
+        </p:nvPicPr>
+        <p:blipFill>
+          <a:blip r:embed="rId2"/>
+          <a:stretch>
+            <a:fillRect/>
+          </a:stretch>
+        </p:blipFill>
+        <p:spPr>
+          <a:xfrm rot="603166">
+            <a:off x="3169307" y="2709680"/>
+            <a:ext cx="4913148" cy="2611319"/>
+          </a:xfrm>
+        </p:spPr>
+      </p:pic>
+    </p:spTree>
+    <p:extLst>
+      <p:ext uri="{BB962C8B-B14F-4D97-AF65-F5344CB8AC3E}">
+        <p14:creationId xmlns:p14="http://schemas.microsoft.com/office/powerpoint/2010/main" val="2253781197"/>
+      </p:ext>
+    </p:extLst>
+  </p:cSld>
+  <p:clrMapOvr>
+    <a:masterClrMapping/>
+  </p:clrMapOvr>
+</p:sld>
+</file>
+
+<file path=ppt/slides/slide19.xml><?xml version="1.0" encoding="utf-8"?>
+<p:sld xmlns:a="http://schemas.openxmlformats.org/drawingml/2006/main" xmlns:r="http://schemas.openxmlformats.org/officeDocument/2006/relationships" xmlns:p="http://schemas.openxmlformats.org/presentationml/2006/main">
+  <p:cSld>
+    <p:spTree>
+      <p:nvGrpSpPr>
+        <p:cNvPr id="1" name=""/>
+        <p:cNvGrpSpPr/>
+        <p:nvPr/>
+      </p:nvGrpSpPr>
+      <p:grpSpPr>
+        <a:xfrm>
+          <a:off x="0" y="0"/>
+          <a:ext cx="0" cy="0"/>
+          <a:chOff x="0" y="0"/>
+          <a:chExt cx="0" cy="0"/>
+        </a:xfrm>
+      </p:grpSpPr>
+      <p:sp>
+        <p:nvSpPr>
+          <p:cNvPr id="2" name="Titre 1">
+            <a:extLst>
+              <a:ext uri="{FF2B5EF4-FFF2-40B4-BE49-F238E27FC236}">
                 <a16:creationId xmlns:a16="http://schemas.microsoft.com/office/drawing/2014/main" id="{44D8D38E-DE81-C319-5310-13F2E9919399}"/>
               </a:ext>
             </a:extLst>
@@ -4646,35 +5200,42 @@
           <a:bodyPr/>
           <a:lstStyle/>
           <a:p>
-            <a:endParaRPr lang="fr-FR"/>
-          </a:p>
-        </p:txBody>
-      </p:sp>
-      <p:sp>
-        <p:nvSpPr>
-          <p:cNvPr id="3" name="Espace réservé du contenu 2">
-            <a:extLst>
-              <a:ext uri="{FF2B5EF4-FFF2-40B4-BE49-F238E27FC236}">
-                <a16:creationId xmlns:a16="http://schemas.microsoft.com/office/drawing/2014/main" id="{4F2209E6-BFC2-D159-1860-94225A40D859}"/>
-              </a:ext>
-            </a:extLst>
-          </p:cNvPr>
-          <p:cNvSpPr>
-            <a:spLocks noGrp="1"/>
-          </p:cNvSpPr>
+            <a:r>
+              <a:rPr lang="fr-FR" dirty="0"/>
+              <a:t>2</a:t>
+            </a:r>
+          </a:p>
+        </p:txBody>
+      </p:sp>
+      <p:pic>
+        <p:nvPicPr>
+          <p:cNvPr id="5" name="Espace réservé du contenu 4">
+            <a:extLst>
+              <a:ext uri="{FF2B5EF4-FFF2-40B4-BE49-F238E27FC236}">
+                <a16:creationId xmlns:a16="http://schemas.microsoft.com/office/drawing/2014/main" id="{F9F2F12A-7050-3FFB-5EBA-5C3ACAA7BB05}"/>
+              </a:ext>
+            </a:extLst>
+          </p:cNvPr>
+          <p:cNvPicPr>
+            <a:picLocks noGrp="1" noChangeAspect="1"/>
+          </p:cNvPicPr>
           <p:nvPr>
             <p:ph idx="1"/>
           </p:nvPr>
-        </p:nvSpPr>
-        <p:spPr/>
-        <p:txBody>
-          <a:bodyPr/>
-          <a:lstStyle/>
-          <a:p>
-            <a:endParaRPr lang="fr-FR"/>
-          </a:p>
-        </p:txBody>
-      </p:sp>
+        </p:nvPicPr>
+        <p:blipFill>
+          <a:blip r:embed="rId2"/>
+          <a:stretch>
+            <a:fillRect/>
+          </a:stretch>
+        </p:blipFill>
+        <p:spPr>
+          <a:xfrm rot="624487">
+            <a:off x="3127198" y="3000605"/>
+            <a:ext cx="5478796" cy="2296393"/>
+          </a:xfrm>
+        </p:spPr>
+      </p:pic>
     </p:spTree>
     <p:extLst>
       <p:ext uri="{BB962C8B-B14F-4D97-AF65-F5344CB8AC3E}">
@@ -4833,6 +5394,888 @@
 </p:sld>
 </file>
 
+<file path=ppt/slides/slide20.xml><?xml version="1.0" encoding="utf-8"?>
+<p:sld xmlns:a="http://schemas.openxmlformats.org/drawingml/2006/main" xmlns:r="http://schemas.openxmlformats.org/officeDocument/2006/relationships" xmlns:p="http://schemas.openxmlformats.org/presentationml/2006/main">
+  <p:cSld>
+    <p:spTree>
+      <p:nvGrpSpPr>
+        <p:cNvPr id="1" name="">
+          <a:extLst>
+            <a:ext uri="{FF2B5EF4-FFF2-40B4-BE49-F238E27FC236}">
+              <a16:creationId xmlns:a16="http://schemas.microsoft.com/office/drawing/2014/main" id="{0C05D98D-C7CA-7F65-0F4C-7CB8EEA2325F}"/>
+            </a:ext>
+          </a:extLst>
+        </p:cNvPr>
+        <p:cNvGrpSpPr/>
+        <p:nvPr/>
+      </p:nvGrpSpPr>
+      <p:grpSpPr>
+        <a:xfrm>
+          <a:off x="0" y="0"/>
+          <a:ext cx="0" cy="0"/>
+          <a:chOff x="0" y="0"/>
+          <a:chExt cx="0" cy="0"/>
+        </a:xfrm>
+      </p:grpSpPr>
+      <p:sp>
+        <p:nvSpPr>
+          <p:cNvPr id="2" name="Titre 1">
+            <a:extLst>
+              <a:ext uri="{FF2B5EF4-FFF2-40B4-BE49-F238E27FC236}">
+                <a16:creationId xmlns:a16="http://schemas.microsoft.com/office/drawing/2014/main" id="{D9D6C3C3-0FBD-0458-07E1-D38B3047B3F2}"/>
+              </a:ext>
+            </a:extLst>
+          </p:cNvPr>
+          <p:cNvSpPr>
+            <a:spLocks noGrp="1"/>
+          </p:cNvSpPr>
+          <p:nvPr>
+            <p:ph type="title"/>
+          </p:nvPr>
+        </p:nvSpPr>
+        <p:spPr/>
+        <p:txBody>
+          <a:bodyPr/>
+          <a:lstStyle/>
+          <a:p>
+            <a:r>
+              <a:rPr lang="fr-FR" dirty="0"/>
+              <a:t>3</a:t>
+            </a:r>
+          </a:p>
+        </p:txBody>
+      </p:sp>
+      <p:pic>
+        <p:nvPicPr>
+          <p:cNvPr id="5" name="Espace réservé du contenu 4">
+            <a:extLst>
+              <a:ext uri="{FF2B5EF4-FFF2-40B4-BE49-F238E27FC236}">
+                <a16:creationId xmlns:a16="http://schemas.microsoft.com/office/drawing/2014/main" id="{15CB846F-BBC8-C0E8-5522-4771C94A08E7}"/>
+              </a:ext>
+            </a:extLst>
+          </p:cNvPr>
+          <p:cNvPicPr>
+            <a:picLocks noGrp="1" noChangeAspect="1"/>
+          </p:cNvPicPr>
+          <p:nvPr>
+            <p:ph idx="1"/>
+          </p:nvPr>
+        </p:nvPicPr>
+        <p:blipFill>
+          <a:blip r:embed="rId2"/>
+          <a:stretch>
+            <a:fillRect/>
+          </a:stretch>
+        </p:blipFill>
+        <p:spPr>
+          <a:xfrm rot="617813">
+            <a:off x="3702050" y="3131344"/>
+            <a:ext cx="4787900" cy="1739900"/>
+          </a:xfrm>
+        </p:spPr>
+      </p:pic>
+    </p:spTree>
+    <p:extLst>
+      <p:ext uri="{BB962C8B-B14F-4D97-AF65-F5344CB8AC3E}">
+        <p14:creationId xmlns:p14="http://schemas.microsoft.com/office/powerpoint/2010/main" val="2684682450"/>
+      </p:ext>
+    </p:extLst>
+  </p:cSld>
+  <p:clrMapOvr>
+    <a:masterClrMapping/>
+  </p:clrMapOvr>
+</p:sld>
+</file>
+
+<file path=ppt/slides/slide21.xml><?xml version="1.0" encoding="utf-8"?>
+<p:sld xmlns:a="http://schemas.openxmlformats.org/drawingml/2006/main" xmlns:r="http://schemas.openxmlformats.org/officeDocument/2006/relationships" xmlns:p="http://schemas.openxmlformats.org/presentationml/2006/main">
+  <p:cSld>
+    <p:spTree>
+      <p:nvGrpSpPr>
+        <p:cNvPr id="1" name=""/>
+        <p:cNvGrpSpPr/>
+        <p:nvPr/>
+      </p:nvGrpSpPr>
+      <p:grpSpPr>
+        <a:xfrm>
+          <a:off x="0" y="0"/>
+          <a:ext cx="0" cy="0"/>
+          <a:chOff x="0" y="0"/>
+          <a:chExt cx="0" cy="0"/>
+        </a:xfrm>
+      </p:grpSpPr>
+      <p:sp>
+        <p:nvSpPr>
+          <p:cNvPr id="2" name="Titre 1">
+            <a:extLst>
+              <a:ext uri="{FF2B5EF4-FFF2-40B4-BE49-F238E27FC236}">
+                <a16:creationId xmlns:a16="http://schemas.microsoft.com/office/drawing/2014/main" id="{98F34814-A0C2-1845-D585-46D1459C84BF}"/>
+              </a:ext>
+            </a:extLst>
+          </p:cNvPr>
+          <p:cNvSpPr>
+            <a:spLocks noGrp="1"/>
+          </p:cNvSpPr>
+          <p:nvPr>
+            <p:ph type="title"/>
+          </p:nvPr>
+        </p:nvSpPr>
+        <p:spPr/>
+        <p:txBody>
+          <a:bodyPr/>
+          <a:lstStyle/>
+          <a:p>
+            <a:r>
+              <a:rPr lang="fr-FR" dirty="0"/>
+              <a:t>4</a:t>
+            </a:r>
+          </a:p>
+        </p:txBody>
+      </p:sp>
+      <p:pic>
+        <p:nvPicPr>
+          <p:cNvPr id="5" name="Espace réservé du contenu 4">
+            <a:extLst>
+              <a:ext uri="{FF2B5EF4-FFF2-40B4-BE49-F238E27FC236}">
+                <a16:creationId xmlns:a16="http://schemas.microsoft.com/office/drawing/2014/main" id="{D2DDBD99-C036-80E8-D7A1-8978F86EDADB}"/>
+              </a:ext>
+            </a:extLst>
+          </p:cNvPr>
+          <p:cNvPicPr>
+            <a:picLocks noGrp="1" noChangeAspect="1"/>
+          </p:cNvPicPr>
+          <p:nvPr>
+            <p:ph idx="1"/>
+          </p:nvPr>
+        </p:nvPicPr>
+        <p:blipFill>
+          <a:blip r:embed="rId2"/>
+          <a:stretch>
+            <a:fillRect/>
+          </a:stretch>
+        </p:blipFill>
+        <p:spPr>
+          <a:xfrm rot="11158365">
+            <a:off x="4152461" y="2591380"/>
+            <a:ext cx="3688255" cy="2465984"/>
+          </a:xfrm>
+        </p:spPr>
+      </p:pic>
+    </p:spTree>
+    <p:extLst>
+      <p:ext uri="{BB962C8B-B14F-4D97-AF65-F5344CB8AC3E}">
+        <p14:creationId xmlns:p14="http://schemas.microsoft.com/office/powerpoint/2010/main" val="1335427979"/>
+      </p:ext>
+    </p:extLst>
+  </p:cSld>
+  <p:clrMapOvr>
+    <a:masterClrMapping/>
+  </p:clrMapOvr>
+</p:sld>
+</file>
+
+<file path=ppt/slides/slide22.xml><?xml version="1.0" encoding="utf-8"?>
+<p:sld xmlns:a="http://schemas.openxmlformats.org/drawingml/2006/main" xmlns:r="http://schemas.openxmlformats.org/officeDocument/2006/relationships" xmlns:p="http://schemas.openxmlformats.org/presentationml/2006/main">
+  <p:cSld>
+    <p:spTree>
+      <p:nvGrpSpPr>
+        <p:cNvPr id="1" name="">
+          <a:extLst>
+            <a:ext uri="{FF2B5EF4-FFF2-40B4-BE49-F238E27FC236}">
+              <a16:creationId xmlns:a16="http://schemas.microsoft.com/office/drawing/2014/main" id="{4DDCD04B-BABC-7607-A69D-B57D9B5BBA51}"/>
+            </a:ext>
+          </a:extLst>
+        </p:cNvPr>
+        <p:cNvGrpSpPr/>
+        <p:nvPr/>
+      </p:nvGrpSpPr>
+      <p:grpSpPr>
+        <a:xfrm>
+          <a:off x="0" y="0"/>
+          <a:ext cx="0" cy="0"/>
+          <a:chOff x="0" y="0"/>
+          <a:chExt cx="0" cy="0"/>
+        </a:xfrm>
+      </p:grpSpPr>
+      <p:sp>
+        <p:nvSpPr>
+          <p:cNvPr id="2" name="Titre 1">
+            <a:extLst>
+              <a:ext uri="{FF2B5EF4-FFF2-40B4-BE49-F238E27FC236}">
+                <a16:creationId xmlns:a16="http://schemas.microsoft.com/office/drawing/2014/main" id="{A98E11E4-8756-F28C-1F45-39C4C1BF5EFE}"/>
+              </a:ext>
+            </a:extLst>
+          </p:cNvPr>
+          <p:cNvSpPr>
+            <a:spLocks noGrp="1"/>
+          </p:cNvSpPr>
+          <p:nvPr>
+            <p:ph type="title"/>
+          </p:nvPr>
+        </p:nvSpPr>
+        <p:spPr/>
+        <p:txBody>
+          <a:bodyPr/>
+          <a:lstStyle/>
+          <a:p>
+            <a:r>
+              <a:rPr lang="fr-FR" dirty="0"/>
+              <a:t>5</a:t>
+            </a:r>
+          </a:p>
+        </p:txBody>
+      </p:sp>
+      <p:pic>
+        <p:nvPicPr>
+          <p:cNvPr id="5" name="Espace réservé du contenu 4">
+            <a:extLst>
+              <a:ext uri="{FF2B5EF4-FFF2-40B4-BE49-F238E27FC236}">
+                <a16:creationId xmlns:a16="http://schemas.microsoft.com/office/drawing/2014/main" id="{A0EB194D-E469-4BBA-6A3D-7F32BB5B2EB1}"/>
+              </a:ext>
+            </a:extLst>
+          </p:cNvPr>
+          <p:cNvPicPr>
+            <a:picLocks noGrp="1" noChangeAspect="1"/>
+          </p:cNvPicPr>
+          <p:nvPr>
+            <p:ph idx="1"/>
+          </p:nvPr>
+        </p:nvPicPr>
+        <p:blipFill>
+          <a:blip r:embed="rId2"/>
+          <a:stretch>
+            <a:fillRect/>
+          </a:stretch>
+        </p:blipFill>
+        <p:spPr>
+          <a:xfrm rot="441130">
+            <a:off x="4552950" y="3271044"/>
+            <a:ext cx="3086100" cy="1460500"/>
+          </a:xfrm>
+        </p:spPr>
+      </p:pic>
+    </p:spTree>
+    <p:extLst>
+      <p:ext uri="{BB962C8B-B14F-4D97-AF65-F5344CB8AC3E}">
+        <p14:creationId xmlns:p14="http://schemas.microsoft.com/office/powerpoint/2010/main" val="3043621485"/>
+      </p:ext>
+    </p:extLst>
+  </p:cSld>
+  <p:clrMapOvr>
+    <a:masterClrMapping/>
+  </p:clrMapOvr>
+</p:sld>
+</file>
+
+<file path=ppt/slides/slide23.xml><?xml version="1.0" encoding="utf-8"?>
+<p:sld xmlns:a="http://schemas.openxmlformats.org/drawingml/2006/main" xmlns:r="http://schemas.openxmlformats.org/officeDocument/2006/relationships" xmlns:p="http://schemas.openxmlformats.org/presentationml/2006/main">
+  <p:cSld>
+    <p:spTree>
+      <p:nvGrpSpPr>
+        <p:cNvPr id="1" name=""/>
+        <p:cNvGrpSpPr/>
+        <p:nvPr/>
+      </p:nvGrpSpPr>
+      <p:grpSpPr>
+        <a:xfrm>
+          <a:off x="0" y="0"/>
+          <a:ext cx="0" cy="0"/>
+          <a:chOff x="0" y="0"/>
+          <a:chExt cx="0" cy="0"/>
+        </a:xfrm>
+      </p:grpSpPr>
+      <p:sp>
+        <p:nvSpPr>
+          <p:cNvPr id="2" name="Titre 1">
+            <a:extLst>
+              <a:ext uri="{FF2B5EF4-FFF2-40B4-BE49-F238E27FC236}">
+                <a16:creationId xmlns:a16="http://schemas.microsoft.com/office/drawing/2014/main" id="{21FFC7DF-5293-1F0D-C5FA-1F6F0874BEDB}"/>
+              </a:ext>
+            </a:extLst>
+          </p:cNvPr>
+          <p:cNvSpPr>
+            <a:spLocks noGrp="1"/>
+          </p:cNvSpPr>
+          <p:nvPr>
+            <p:ph type="title"/>
+          </p:nvPr>
+        </p:nvSpPr>
+        <p:spPr/>
+        <p:txBody>
+          <a:bodyPr/>
+          <a:lstStyle/>
+          <a:p>
+            <a:r>
+              <a:rPr lang="fr-FR" dirty="0"/>
+              <a:t>6</a:t>
+            </a:r>
+          </a:p>
+        </p:txBody>
+      </p:sp>
+      <p:pic>
+        <p:nvPicPr>
+          <p:cNvPr id="5" name="Espace réservé du contenu 4">
+            <a:extLst>
+              <a:ext uri="{FF2B5EF4-FFF2-40B4-BE49-F238E27FC236}">
+                <a16:creationId xmlns:a16="http://schemas.microsoft.com/office/drawing/2014/main" id="{B751B388-85E9-6BED-D707-FDA0DB36256A}"/>
+              </a:ext>
+            </a:extLst>
+          </p:cNvPr>
+          <p:cNvPicPr>
+            <a:picLocks noGrp="1" noChangeAspect="1"/>
+          </p:cNvPicPr>
+          <p:nvPr>
+            <p:ph idx="1"/>
+          </p:nvPr>
+        </p:nvPicPr>
+        <p:blipFill>
+          <a:blip r:embed="rId2"/>
+          <a:stretch>
+            <a:fillRect/>
+          </a:stretch>
+        </p:blipFill>
+        <p:spPr>
+          <a:xfrm rot="648211">
+            <a:off x="4400550" y="3023394"/>
+            <a:ext cx="3390900" cy="1955800"/>
+          </a:xfrm>
+        </p:spPr>
+      </p:pic>
+    </p:spTree>
+    <p:extLst>
+      <p:ext uri="{BB962C8B-B14F-4D97-AF65-F5344CB8AC3E}">
+        <p14:creationId xmlns:p14="http://schemas.microsoft.com/office/powerpoint/2010/main" val="2228351866"/>
+      </p:ext>
+    </p:extLst>
+  </p:cSld>
+  <p:clrMapOvr>
+    <a:masterClrMapping/>
+  </p:clrMapOvr>
+</p:sld>
+</file>
+
+<file path=ppt/slides/slide24.xml><?xml version="1.0" encoding="utf-8"?>
+<p:sld xmlns:a="http://schemas.openxmlformats.org/drawingml/2006/main" xmlns:r="http://schemas.openxmlformats.org/officeDocument/2006/relationships" xmlns:p="http://schemas.openxmlformats.org/presentationml/2006/main">
+  <p:cSld>
+    <p:spTree>
+      <p:nvGrpSpPr>
+        <p:cNvPr id="1" name=""/>
+        <p:cNvGrpSpPr/>
+        <p:nvPr/>
+      </p:nvGrpSpPr>
+      <p:grpSpPr>
+        <a:xfrm>
+          <a:off x="0" y="0"/>
+          <a:ext cx="0" cy="0"/>
+          <a:chOff x="0" y="0"/>
+          <a:chExt cx="0" cy="0"/>
+        </a:xfrm>
+      </p:grpSpPr>
+      <p:sp>
+        <p:nvSpPr>
+          <p:cNvPr id="2" name="Titre 1">
+            <a:extLst>
+              <a:ext uri="{FF2B5EF4-FFF2-40B4-BE49-F238E27FC236}">
+                <a16:creationId xmlns:a16="http://schemas.microsoft.com/office/drawing/2014/main" id="{D2A0973F-7E47-9E81-98F5-D7FA42326DE6}"/>
+              </a:ext>
+            </a:extLst>
+          </p:cNvPr>
+          <p:cNvSpPr>
+            <a:spLocks noGrp="1"/>
+          </p:cNvSpPr>
+          <p:nvPr>
+            <p:ph type="title"/>
+          </p:nvPr>
+        </p:nvSpPr>
+        <p:spPr/>
+        <p:txBody>
+          <a:bodyPr/>
+          <a:lstStyle/>
+          <a:p>
+            <a:r>
+              <a:rPr lang="fr-FR" dirty="0"/>
+              <a:t>7</a:t>
+            </a:r>
+          </a:p>
+        </p:txBody>
+      </p:sp>
+      <p:pic>
+        <p:nvPicPr>
+          <p:cNvPr id="5" name="Espace réservé du contenu 4">
+            <a:extLst>
+              <a:ext uri="{FF2B5EF4-FFF2-40B4-BE49-F238E27FC236}">
+                <a16:creationId xmlns:a16="http://schemas.microsoft.com/office/drawing/2014/main" id="{13A58809-62DC-D6C6-038C-5AE86734AC15}"/>
+              </a:ext>
+            </a:extLst>
+          </p:cNvPr>
+          <p:cNvPicPr>
+            <a:picLocks noGrp="1" noChangeAspect="1"/>
+          </p:cNvPicPr>
+          <p:nvPr>
+            <p:ph idx="1"/>
+          </p:nvPr>
+        </p:nvPicPr>
+        <p:blipFill>
+          <a:blip r:embed="rId2"/>
+          <a:stretch>
+            <a:fillRect/>
+          </a:stretch>
+        </p:blipFill>
+        <p:spPr>
+          <a:xfrm rot="11317185">
+            <a:off x="4445000" y="3220244"/>
+            <a:ext cx="3302000" cy="1562100"/>
+          </a:xfrm>
+        </p:spPr>
+      </p:pic>
+    </p:spTree>
+    <p:extLst>
+      <p:ext uri="{BB962C8B-B14F-4D97-AF65-F5344CB8AC3E}">
+        <p14:creationId xmlns:p14="http://schemas.microsoft.com/office/powerpoint/2010/main" val="1921688957"/>
+      </p:ext>
+    </p:extLst>
+  </p:cSld>
+  <p:clrMapOvr>
+    <a:masterClrMapping/>
+  </p:clrMapOvr>
+</p:sld>
+</file>
+
+<file path=ppt/slides/slide25.xml><?xml version="1.0" encoding="utf-8"?>
+<p:sld xmlns:a="http://schemas.openxmlformats.org/drawingml/2006/main" xmlns:r="http://schemas.openxmlformats.org/officeDocument/2006/relationships" xmlns:p="http://schemas.openxmlformats.org/presentationml/2006/main">
+  <p:cSld>
+    <p:spTree>
+      <p:nvGrpSpPr>
+        <p:cNvPr id="1" name=""/>
+        <p:cNvGrpSpPr/>
+        <p:nvPr/>
+      </p:nvGrpSpPr>
+      <p:grpSpPr>
+        <a:xfrm>
+          <a:off x="0" y="0"/>
+          <a:ext cx="0" cy="0"/>
+          <a:chOff x="0" y="0"/>
+          <a:chExt cx="0" cy="0"/>
+        </a:xfrm>
+      </p:grpSpPr>
+      <p:sp>
+        <p:nvSpPr>
+          <p:cNvPr id="2" name="Titre 1">
+            <a:extLst>
+              <a:ext uri="{FF2B5EF4-FFF2-40B4-BE49-F238E27FC236}">
+                <a16:creationId xmlns:a16="http://schemas.microsoft.com/office/drawing/2014/main" id="{1E382BE9-3957-DA2C-3B82-CFB50E9E208F}"/>
+              </a:ext>
+            </a:extLst>
+          </p:cNvPr>
+          <p:cNvSpPr>
+            <a:spLocks noGrp="1"/>
+          </p:cNvSpPr>
+          <p:nvPr>
+            <p:ph type="title"/>
+          </p:nvPr>
+        </p:nvSpPr>
+        <p:spPr/>
+        <p:txBody>
+          <a:bodyPr/>
+          <a:lstStyle/>
+          <a:p>
+            <a:r>
+              <a:rPr lang="fr-FR" dirty="0"/>
+              <a:t>8</a:t>
+            </a:r>
+          </a:p>
+        </p:txBody>
+      </p:sp>
+      <p:pic>
+        <p:nvPicPr>
+          <p:cNvPr id="5" name="Espace réservé du contenu 4">
+            <a:extLst>
+              <a:ext uri="{FF2B5EF4-FFF2-40B4-BE49-F238E27FC236}">
+                <a16:creationId xmlns:a16="http://schemas.microsoft.com/office/drawing/2014/main" id="{F5A07EDA-D766-5100-F809-C741C5E7B40B}"/>
+              </a:ext>
+            </a:extLst>
+          </p:cNvPr>
+          <p:cNvPicPr>
+            <a:picLocks noGrp="1" noChangeAspect="1"/>
+          </p:cNvPicPr>
+          <p:nvPr>
+            <p:ph idx="1"/>
+          </p:nvPr>
+        </p:nvPicPr>
+        <p:blipFill>
+          <a:blip r:embed="rId2"/>
+          <a:stretch>
+            <a:fillRect/>
+          </a:stretch>
+        </p:blipFill>
+        <p:spPr>
+          <a:xfrm rot="11343315">
+            <a:off x="4660900" y="3296444"/>
+            <a:ext cx="2870200" cy="1409700"/>
+          </a:xfrm>
+        </p:spPr>
+      </p:pic>
+    </p:spTree>
+    <p:extLst>
+      <p:ext uri="{BB962C8B-B14F-4D97-AF65-F5344CB8AC3E}">
+        <p14:creationId xmlns:p14="http://schemas.microsoft.com/office/powerpoint/2010/main" val="1716145130"/>
+      </p:ext>
+    </p:extLst>
+  </p:cSld>
+  <p:clrMapOvr>
+    <a:masterClrMapping/>
+  </p:clrMapOvr>
+</p:sld>
+</file>
+
+<file path=ppt/slides/slide26.xml><?xml version="1.0" encoding="utf-8"?>
+<p:sld xmlns:a="http://schemas.openxmlformats.org/drawingml/2006/main" xmlns:r="http://schemas.openxmlformats.org/officeDocument/2006/relationships" xmlns:p="http://schemas.openxmlformats.org/presentationml/2006/main">
+  <p:cSld>
+    <p:spTree>
+      <p:nvGrpSpPr>
+        <p:cNvPr id="1" name=""/>
+        <p:cNvGrpSpPr/>
+        <p:nvPr/>
+      </p:nvGrpSpPr>
+      <p:grpSpPr>
+        <a:xfrm>
+          <a:off x="0" y="0"/>
+          <a:ext cx="0" cy="0"/>
+          <a:chOff x="0" y="0"/>
+          <a:chExt cx="0" cy="0"/>
+        </a:xfrm>
+      </p:grpSpPr>
+      <p:sp>
+        <p:nvSpPr>
+          <p:cNvPr id="2" name="Titre 1">
+            <a:extLst>
+              <a:ext uri="{FF2B5EF4-FFF2-40B4-BE49-F238E27FC236}">
+                <a16:creationId xmlns:a16="http://schemas.microsoft.com/office/drawing/2014/main" id="{5882346D-ED94-9878-A08C-85A30F8984E2}"/>
+              </a:ext>
+            </a:extLst>
+          </p:cNvPr>
+          <p:cNvSpPr>
+            <a:spLocks noGrp="1"/>
+          </p:cNvSpPr>
+          <p:nvPr>
+            <p:ph type="title"/>
+          </p:nvPr>
+        </p:nvSpPr>
+        <p:spPr/>
+        <p:txBody>
+          <a:bodyPr/>
+          <a:lstStyle/>
+          <a:p>
+            <a:r>
+              <a:rPr lang="fr-FR" dirty="0"/>
+              <a:t>9</a:t>
+            </a:r>
+          </a:p>
+        </p:txBody>
+      </p:sp>
+      <p:pic>
+        <p:nvPicPr>
+          <p:cNvPr id="5" name="Espace réservé du contenu 4">
+            <a:extLst>
+              <a:ext uri="{FF2B5EF4-FFF2-40B4-BE49-F238E27FC236}">
+                <a16:creationId xmlns:a16="http://schemas.microsoft.com/office/drawing/2014/main" id="{2F45BAA3-D69D-C16B-131B-811D4D36C994}"/>
+              </a:ext>
+            </a:extLst>
+          </p:cNvPr>
+          <p:cNvPicPr>
+            <a:picLocks noGrp="1" noChangeAspect="1"/>
+          </p:cNvPicPr>
+          <p:nvPr>
+            <p:ph idx="1"/>
+          </p:nvPr>
+        </p:nvPicPr>
+        <p:blipFill>
+          <a:blip r:embed="rId2"/>
+          <a:stretch>
+            <a:fillRect/>
+          </a:stretch>
+        </p:blipFill>
+        <p:spPr>
+          <a:xfrm rot="281458">
+            <a:off x="3983420" y="2629477"/>
+            <a:ext cx="4025462" cy="2160750"/>
+          </a:xfrm>
+        </p:spPr>
+      </p:pic>
+    </p:spTree>
+    <p:extLst>
+      <p:ext uri="{BB962C8B-B14F-4D97-AF65-F5344CB8AC3E}">
+        <p14:creationId xmlns:p14="http://schemas.microsoft.com/office/powerpoint/2010/main" val="2199824610"/>
+      </p:ext>
+    </p:extLst>
+  </p:cSld>
+  <p:clrMapOvr>
+    <a:masterClrMapping/>
+  </p:clrMapOvr>
+</p:sld>
+</file>
+
+<file path=ppt/slides/slide27.xml><?xml version="1.0" encoding="utf-8"?>
+<p:sld xmlns:a="http://schemas.openxmlformats.org/drawingml/2006/main" xmlns:r="http://schemas.openxmlformats.org/officeDocument/2006/relationships" xmlns:p="http://schemas.openxmlformats.org/presentationml/2006/main">
+  <p:cSld>
+    <p:spTree>
+      <p:nvGrpSpPr>
+        <p:cNvPr id="1" name=""/>
+        <p:cNvGrpSpPr/>
+        <p:nvPr/>
+      </p:nvGrpSpPr>
+      <p:grpSpPr>
+        <a:xfrm>
+          <a:off x="0" y="0"/>
+          <a:ext cx="0" cy="0"/>
+          <a:chOff x="0" y="0"/>
+          <a:chExt cx="0" cy="0"/>
+        </a:xfrm>
+      </p:grpSpPr>
+      <p:sp>
+        <p:nvSpPr>
+          <p:cNvPr id="2" name="Titre 1">
+            <a:extLst>
+              <a:ext uri="{FF2B5EF4-FFF2-40B4-BE49-F238E27FC236}">
+                <a16:creationId xmlns:a16="http://schemas.microsoft.com/office/drawing/2014/main" id="{FB953F99-29F5-3C9F-486D-91398B21767F}"/>
+              </a:ext>
+            </a:extLst>
+          </p:cNvPr>
+          <p:cNvSpPr>
+            <a:spLocks noGrp="1"/>
+          </p:cNvSpPr>
+          <p:nvPr>
+            <p:ph type="title"/>
+          </p:nvPr>
+        </p:nvSpPr>
+        <p:spPr/>
+        <p:txBody>
+          <a:bodyPr/>
+          <a:lstStyle/>
+          <a:p>
+            <a:r>
+              <a:rPr lang="fr-FR" dirty="0"/>
+              <a:t>10</a:t>
+            </a:r>
+          </a:p>
+        </p:txBody>
+      </p:sp>
+      <p:pic>
+        <p:nvPicPr>
+          <p:cNvPr id="5" name="Espace réservé du contenu 4">
+            <a:extLst>
+              <a:ext uri="{FF2B5EF4-FFF2-40B4-BE49-F238E27FC236}">
+                <a16:creationId xmlns:a16="http://schemas.microsoft.com/office/drawing/2014/main" id="{10AFB88B-76B4-17F5-40E8-865381CA30D7}"/>
+              </a:ext>
+            </a:extLst>
+          </p:cNvPr>
+          <p:cNvPicPr>
+            <a:picLocks noGrp="1" noChangeAspect="1"/>
+          </p:cNvPicPr>
+          <p:nvPr>
+            <p:ph idx="1"/>
+          </p:nvPr>
+        </p:nvPicPr>
+        <p:blipFill>
+          <a:blip r:embed="rId2"/>
+          <a:stretch>
+            <a:fillRect/>
+          </a:stretch>
+        </p:blipFill>
+        <p:spPr>
+          <a:xfrm rot="11336834">
+            <a:off x="4762501" y="2698750"/>
+            <a:ext cx="2667000" cy="1460500"/>
+          </a:xfrm>
+        </p:spPr>
+      </p:pic>
+    </p:spTree>
+    <p:extLst>
+      <p:ext uri="{BB962C8B-B14F-4D97-AF65-F5344CB8AC3E}">
+        <p14:creationId xmlns:p14="http://schemas.microsoft.com/office/powerpoint/2010/main" val="1900895664"/>
+      </p:ext>
+    </p:extLst>
+  </p:cSld>
+  <p:clrMapOvr>
+    <a:masterClrMapping/>
+  </p:clrMapOvr>
+</p:sld>
+</file>
+
+<file path=ppt/slides/slide28.xml><?xml version="1.0" encoding="utf-8"?>
+<p:sld xmlns:a="http://schemas.openxmlformats.org/drawingml/2006/main" xmlns:r="http://schemas.openxmlformats.org/officeDocument/2006/relationships" xmlns:p="http://schemas.openxmlformats.org/presentationml/2006/main">
+  <p:cSld>
+    <p:spTree>
+      <p:nvGrpSpPr>
+        <p:cNvPr id="1" name=""/>
+        <p:cNvGrpSpPr/>
+        <p:nvPr/>
+      </p:nvGrpSpPr>
+      <p:grpSpPr>
+        <a:xfrm>
+          <a:off x="0" y="0"/>
+          <a:ext cx="0" cy="0"/>
+          <a:chOff x="0" y="0"/>
+          <a:chExt cx="0" cy="0"/>
+        </a:xfrm>
+      </p:grpSpPr>
+      <p:sp>
+        <p:nvSpPr>
+          <p:cNvPr id="2" name="Titre 1">
+            <a:extLst>
+              <a:ext uri="{FF2B5EF4-FFF2-40B4-BE49-F238E27FC236}">
+                <a16:creationId xmlns:a16="http://schemas.microsoft.com/office/drawing/2014/main" id="{540E34CE-9DD1-DA12-D6CA-6557BD2F494D}"/>
+              </a:ext>
+            </a:extLst>
+          </p:cNvPr>
+          <p:cNvSpPr>
+            <a:spLocks noGrp="1"/>
+          </p:cNvSpPr>
+          <p:nvPr>
+            <p:ph type="title"/>
+          </p:nvPr>
+        </p:nvSpPr>
+        <p:spPr/>
+        <p:txBody>
+          <a:bodyPr/>
+          <a:lstStyle/>
+          <a:p>
+            <a:r>
+              <a:rPr lang="fr-FR" dirty="0"/>
+              <a:t>11</a:t>
+            </a:r>
+          </a:p>
+        </p:txBody>
+      </p:sp>
+      <p:pic>
+        <p:nvPicPr>
+          <p:cNvPr id="5" name="Espace réservé du contenu 4">
+            <a:extLst>
+              <a:ext uri="{FF2B5EF4-FFF2-40B4-BE49-F238E27FC236}">
+                <a16:creationId xmlns:a16="http://schemas.microsoft.com/office/drawing/2014/main" id="{FA1661F4-1A7A-9758-3E22-BDC35EFCE589}"/>
+              </a:ext>
+            </a:extLst>
+          </p:cNvPr>
+          <p:cNvPicPr>
+            <a:picLocks noGrp="1" noChangeAspect="1"/>
+          </p:cNvPicPr>
+          <p:nvPr>
+            <p:ph idx="1"/>
+          </p:nvPr>
+        </p:nvPicPr>
+        <p:blipFill>
+          <a:blip r:embed="rId2"/>
+          <a:stretch>
+            <a:fillRect/>
+          </a:stretch>
+        </p:blipFill>
+        <p:spPr>
+          <a:xfrm rot="11334137">
+            <a:off x="4559300" y="3271044"/>
+            <a:ext cx="3073400" cy="1460500"/>
+          </a:xfrm>
+        </p:spPr>
+      </p:pic>
+    </p:spTree>
+    <p:extLst>
+      <p:ext uri="{BB962C8B-B14F-4D97-AF65-F5344CB8AC3E}">
+        <p14:creationId xmlns:p14="http://schemas.microsoft.com/office/powerpoint/2010/main" val="4294029918"/>
+      </p:ext>
+    </p:extLst>
+  </p:cSld>
+  <p:clrMapOvr>
+    <a:masterClrMapping/>
+  </p:clrMapOvr>
+</p:sld>
+</file>
+
+<file path=ppt/slides/slide29.xml><?xml version="1.0" encoding="utf-8"?>
+<p:sld xmlns:a="http://schemas.openxmlformats.org/drawingml/2006/main" xmlns:r="http://schemas.openxmlformats.org/officeDocument/2006/relationships" xmlns:p="http://schemas.openxmlformats.org/presentationml/2006/main">
+  <p:cSld>
+    <p:spTree>
+      <p:nvGrpSpPr>
+        <p:cNvPr id="1" name=""/>
+        <p:cNvGrpSpPr/>
+        <p:nvPr/>
+      </p:nvGrpSpPr>
+      <p:grpSpPr>
+        <a:xfrm>
+          <a:off x="0" y="0"/>
+          <a:ext cx="0" cy="0"/>
+          <a:chOff x="0" y="0"/>
+          <a:chExt cx="0" cy="0"/>
+        </a:xfrm>
+      </p:grpSpPr>
+      <p:sp>
+        <p:nvSpPr>
+          <p:cNvPr id="2" name="Titre 1">
+            <a:extLst>
+              <a:ext uri="{FF2B5EF4-FFF2-40B4-BE49-F238E27FC236}">
+                <a16:creationId xmlns:a16="http://schemas.microsoft.com/office/drawing/2014/main" id="{3CA49B6C-DD65-61F2-FB50-5115B08AC764}"/>
+              </a:ext>
+            </a:extLst>
+          </p:cNvPr>
+          <p:cNvSpPr>
+            <a:spLocks noGrp="1"/>
+          </p:cNvSpPr>
+          <p:nvPr>
+            <p:ph type="title"/>
+          </p:nvPr>
+        </p:nvSpPr>
+        <p:spPr/>
+        <p:txBody>
+          <a:bodyPr/>
+          <a:lstStyle/>
+          <a:p>
+            <a:r>
+              <a:rPr lang="fr-FR" dirty="0"/>
+              <a:t>12</a:t>
+            </a:r>
+          </a:p>
+        </p:txBody>
+      </p:sp>
+      <p:pic>
+        <p:nvPicPr>
+          <p:cNvPr id="5" name="Espace réservé du contenu 4">
+            <a:extLst>
+              <a:ext uri="{FF2B5EF4-FFF2-40B4-BE49-F238E27FC236}">
+                <a16:creationId xmlns:a16="http://schemas.microsoft.com/office/drawing/2014/main" id="{612D041D-895E-872E-BE81-7C0F051F1697}"/>
+              </a:ext>
+            </a:extLst>
+          </p:cNvPr>
+          <p:cNvPicPr>
+            <a:picLocks noGrp="1" noChangeAspect="1"/>
+          </p:cNvPicPr>
+          <p:nvPr>
+            <p:ph idx="1"/>
+          </p:nvPr>
+        </p:nvPicPr>
+        <p:blipFill>
+          <a:blip r:embed="rId3"/>
+          <a:stretch>
+            <a:fillRect/>
+          </a:stretch>
+        </p:blipFill>
+        <p:spPr>
+          <a:xfrm rot="10958699">
+            <a:off x="4279900" y="3302794"/>
+            <a:ext cx="3632200" cy="1397000"/>
+          </a:xfrm>
+        </p:spPr>
+      </p:pic>
+    </p:spTree>
+    <p:extLst>
+      <p:ext uri="{BB962C8B-B14F-4D97-AF65-F5344CB8AC3E}">
+        <p14:creationId xmlns:p14="http://schemas.microsoft.com/office/powerpoint/2010/main" val="3461229231"/>
+      </p:ext>
+    </p:extLst>
+  </p:cSld>
+  <p:clrMapOvr>
+    <a:masterClrMapping/>
+  </p:clrMapOvr>
+</p:sld>
+</file>
+
 <file path=ppt/slides/slide3.xml><?xml version="1.0" encoding="utf-8"?>
 <p:sld xmlns:a="http://schemas.openxmlformats.org/drawingml/2006/main" xmlns:r="http://schemas.openxmlformats.org/officeDocument/2006/relationships" xmlns:p="http://schemas.openxmlformats.org/presentationml/2006/main">
   <p:cSld>
@@ -4972,6 +6415,876 @@
     <p:extLst>
       <p:ext uri="{BB962C8B-B14F-4D97-AF65-F5344CB8AC3E}">
         <p14:creationId xmlns:p14="http://schemas.microsoft.com/office/powerpoint/2010/main" val="1736380855"/>
+      </p:ext>
+    </p:extLst>
+  </p:cSld>
+  <p:clrMapOvr>
+    <a:masterClrMapping/>
+  </p:clrMapOvr>
+</p:sld>
+</file>
+
+<file path=ppt/slides/slide30.xml><?xml version="1.0" encoding="utf-8"?>
+<p:sld xmlns:a="http://schemas.openxmlformats.org/drawingml/2006/main" xmlns:r="http://schemas.openxmlformats.org/officeDocument/2006/relationships" xmlns:p="http://schemas.openxmlformats.org/presentationml/2006/main">
+  <p:cSld>
+    <p:spTree>
+      <p:nvGrpSpPr>
+        <p:cNvPr id="1" name=""/>
+        <p:cNvGrpSpPr/>
+        <p:nvPr/>
+      </p:nvGrpSpPr>
+      <p:grpSpPr>
+        <a:xfrm>
+          <a:off x="0" y="0"/>
+          <a:ext cx="0" cy="0"/>
+          <a:chOff x="0" y="0"/>
+          <a:chExt cx="0" cy="0"/>
+        </a:xfrm>
+      </p:grpSpPr>
+      <p:sp>
+        <p:nvSpPr>
+          <p:cNvPr id="2" name="Titre 1">
+            <a:extLst>
+              <a:ext uri="{FF2B5EF4-FFF2-40B4-BE49-F238E27FC236}">
+                <a16:creationId xmlns:a16="http://schemas.microsoft.com/office/drawing/2014/main" id="{5654D8CB-C71C-683E-7DEF-83B379E0D5D2}"/>
+              </a:ext>
+            </a:extLst>
+          </p:cNvPr>
+          <p:cNvSpPr>
+            <a:spLocks noGrp="1"/>
+          </p:cNvSpPr>
+          <p:nvPr>
+            <p:ph type="title"/>
+          </p:nvPr>
+        </p:nvSpPr>
+        <p:spPr/>
+        <p:txBody>
+          <a:bodyPr/>
+          <a:lstStyle/>
+          <a:p>
+            <a:r>
+              <a:rPr lang="fr-FR" dirty="0"/>
+              <a:t>13</a:t>
+            </a:r>
+          </a:p>
+        </p:txBody>
+      </p:sp>
+      <p:pic>
+        <p:nvPicPr>
+          <p:cNvPr id="5" name="Espace réservé du contenu 4">
+            <a:extLst>
+              <a:ext uri="{FF2B5EF4-FFF2-40B4-BE49-F238E27FC236}">
+                <a16:creationId xmlns:a16="http://schemas.microsoft.com/office/drawing/2014/main" id="{AB4BAFCB-94D7-D7F3-99B0-949EEE68B81E}"/>
+              </a:ext>
+            </a:extLst>
+          </p:cNvPr>
+          <p:cNvPicPr>
+            <a:picLocks noGrp="1" noChangeAspect="1"/>
+          </p:cNvPicPr>
+          <p:nvPr>
+            <p:ph idx="1"/>
+          </p:nvPr>
+        </p:nvPicPr>
+        <p:blipFill>
+          <a:blip r:embed="rId2"/>
+          <a:stretch>
+            <a:fillRect/>
+          </a:stretch>
+        </p:blipFill>
+        <p:spPr>
+          <a:xfrm rot="11038174">
+            <a:off x="4280491" y="2567722"/>
+            <a:ext cx="3006528" cy="2144516"/>
+          </a:xfrm>
+        </p:spPr>
+      </p:pic>
+    </p:spTree>
+    <p:extLst>
+      <p:ext uri="{BB962C8B-B14F-4D97-AF65-F5344CB8AC3E}">
+        <p14:creationId xmlns:p14="http://schemas.microsoft.com/office/powerpoint/2010/main" val="2788040394"/>
+      </p:ext>
+    </p:extLst>
+  </p:cSld>
+  <p:clrMapOvr>
+    <a:masterClrMapping/>
+  </p:clrMapOvr>
+</p:sld>
+</file>
+
+<file path=ppt/slides/slide31.xml><?xml version="1.0" encoding="utf-8"?>
+<p:sld xmlns:a="http://schemas.openxmlformats.org/drawingml/2006/main" xmlns:r="http://schemas.openxmlformats.org/officeDocument/2006/relationships" xmlns:p="http://schemas.openxmlformats.org/presentationml/2006/main">
+  <p:cSld>
+    <p:spTree>
+      <p:nvGrpSpPr>
+        <p:cNvPr id="1" name=""/>
+        <p:cNvGrpSpPr/>
+        <p:nvPr/>
+      </p:nvGrpSpPr>
+      <p:grpSpPr>
+        <a:xfrm>
+          <a:off x="0" y="0"/>
+          <a:ext cx="0" cy="0"/>
+          <a:chOff x="0" y="0"/>
+          <a:chExt cx="0" cy="0"/>
+        </a:xfrm>
+      </p:grpSpPr>
+      <p:sp>
+        <p:nvSpPr>
+          <p:cNvPr id="2" name="Titre 1">
+            <a:extLst>
+              <a:ext uri="{FF2B5EF4-FFF2-40B4-BE49-F238E27FC236}">
+                <a16:creationId xmlns:a16="http://schemas.microsoft.com/office/drawing/2014/main" id="{6B656D1D-9AC3-C7B7-5F8D-90D6F0688155}"/>
+              </a:ext>
+            </a:extLst>
+          </p:cNvPr>
+          <p:cNvSpPr>
+            <a:spLocks noGrp="1"/>
+          </p:cNvSpPr>
+          <p:nvPr>
+            <p:ph type="title"/>
+          </p:nvPr>
+        </p:nvSpPr>
+        <p:spPr/>
+        <p:txBody>
+          <a:bodyPr/>
+          <a:lstStyle/>
+          <a:p>
+            <a:r>
+              <a:rPr lang="fr-FR" dirty="0"/>
+              <a:t>14</a:t>
+            </a:r>
+          </a:p>
+        </p:txBody>
+      </p:sp>
+      <p:pic>
+        <p:nvPicPr>
+          <p:cNvPr id="5" name="Espace réservé du contenu 4">
+            <a:extLst>
+              <a:ext uri="{FF2B5EF4-FFF2-40B4-BE49-F238E27FC236}">
+                <a16:creationId xmlns:a16="http://schemas.microsoft.com/office/drawing/2014/main" id="{B599440D-E1BC-9978-4B83-9AB094CA866C}"/>
+              </a:ext>
+            </a:extLst>
+          </p:cNvPr>
+          <p:cNvPicPr>
+            <a:picLocks noGrp="1" noChangeAspect="1"/>
+          </p:cNvPicPr>
+          <p:nvPr>
+            <p:ph idx="1"/>
+          </p:nvPr>
+        </p:nvPicPr>
+        <p:blipFill>
+          <a:blip r:embed="rId2"/>
+          <a:stretch>
+            <a:fillRect/>
+          </a:stretch>
+        </p:blipFill>
+        <p:spPr>
+          <a:xfrm>
+            <a:off x="4361795" y="2752080"/>
+            <a:ext cx="2921876" cy="1967202"/>
+          </a:xfrm>
+        </p:spPr>
+      </p:pic>
+    </p:spTree>
+    <p:extLst>
+      <p:ext uri="{BB962C8B-B14F-4D97-AF65-F5344CB8AC3E}">
+        <p14:creationId xmlns:p14="http://schemas.microsoft.com/office/powerpoint/2010/main" val="751109774"/>
+      </p:ext>
+    </p:extLst>
+  </p:cSld>
+  <p:clrMapOvr>
+    <a:masterClrMapping/>
+  </p:clrMapOvr>
+</p:sld>
+</file>
+
+<file path=ppt/slides/slide32.xml><?xml version="1.0" encoding="utf-8"?>
+<p:sld xmlns:a="http://schemas.openxmlformats.org/drawingml/2006/main" xmlns:r="http://schemas.openxmlformats.org/officeDocument/2006/relationships" xmlns:p="http://schemas.openxmlformats.org/presentationml/2006/main">
+  <p:cSld>
+    <p:spTree>
+      <p:nvGrpSpPr>
+        <p:cNvPr id="1" name=""/>
+        <p:cNvGrpSpPr/>
+        <p:nvPr/>
+      </p:nvGrpSpPr>
+      <p:grpSpPr>
+        <a:xfrm>
+          <a:off x="0" y="0"/>
+          <a:ext cx="0" cy="0"/>
+          <a:chOff x="0" y="0"/>
+          <a:chExt cx="0" cy="0"/>
+        </a:xfrm>
+      </p:grpSpPr>
+      <p:sp>
+        <p:nvSpPr>
+          <p:cNvPr id="2" name="Titre 1">
+            <a:extLst>
+              <a:ext uri="{FF2B5EF4-FFF2-40B4-BE49-F238E27FC236}">
+                <a16:creationId xmlns:a16="http://schemas.microsoft.com/office/drawing/2014/main" id="{EA54303D-E03D-23AD-EEEC-3B524571130F}"/>
+              </a:ext>
+            </a:extLst>
+          </p:cNvPr>
+          <p:cNvSpPr>
+            <a:spLocks noGrp="1"/>
+          </p:cNvSpPr>
+          <p:nvPr>
+            <p:ph type="title"/>
+          </p:nvPr>
+        </p:nvSpPr>
+        <p:spPr/>
+        <p:txBody>
+          <a:bodyPr/>
+          <a:lstStyle/>
+          <a:p>
+            <a:r>
+              <a:rPr lang="fr-FR" dirty="0"/>
+              <a:t>15</a:t>
+            </a:r>
+          </a:p>
+        </p:txBody>
+      </p:sp>
+      <p:pic>
+        <p:nvPicPr>
+          <p:cNvPr id="5" name="Espace réservé du contenu 4">
+            <a:extLst>
+              <a:ext uri="{FF2B5EF4-FFF2-40B4-BE49-F238E27FC236}">
+                <a16:creationId xmlns:a16="http://schemas.microsoft.com/office/drawing/2014/main" id="{627EEA97-0884-B44C-93D5-31BB822CBDFC}"/>
+              </a:ext>
+            </a:extLst>
+          </p:cNvPr>
+          <p:cNvPicPr>
+            <a:picLocks noGrp="1" noChangeAspect="1"/>
+          </p:cNvPicPr>
+          <p:nvPr>
+            <p:ph idx="1"/>
+          </p:nvPr>
+        </p:nvPicPr>
+        <p:blipFill>
+          <a:blip r:embed="rId2"/>
+          <a:stretch>
+            <a:fillRect/>
+          </a:stretch>
+        </p:blipFill>
+        <p:spPr>
+          <a:xfrm rot="10955330">
+            <a:off x="4846487" y="2896109"/>
+            <a:ext cx="2499028" cy="1797246"/>
+          </a:xfrm>
+        </p:spPr>
+      </p:pic>
+    </p:spTree>
+    <p:extLst>
+      <p:ext uri="{BB962C8B-B14F-4D97-AF65-F5344CB8AC3E}">
+        <p14:creationId xmlns:p14="http://schemas.microsoft.com/office/powerpoint/2010/main" val="687410484"/>
+      </p:ext>
+    </p:extLst>
+  </p:cSld>
+  <p:clrMapOvr>
+    <a:masterClrMapping/>
+  </p:clrMapOvr>
+</p:sld>
+</file>
+
+<file path=ppt/slides/slide33.xml><?xml version="1.0" encoding="utf-8"?>
+<p:sld xmlns:a="http://schemas.openxmlformats.org/drawingml/2006/main" xmlns:r="http://schemas.openxmlformats.org/officeDocument/2006/relationships" xmlns:p="http://schemas.openxmlformats.org/presentationml/2006/main">
+  <p:cSld>
+    <p:spTree>
+      <p:nvGrpSpPr>
+        <p:cNvPr id="1" name=""/>
+        <p:cNvGrpSpPr/>
+        <p:nvPr/>
+      </p:nvGrpSpPr>
+      <p:grpSpPr>
+        <a:xfrm>
+          <a:off x="0" y="0"/>
+          <a:ext cx="0" cy="0"/>
+          <a:chOff x="0" y="0"/>
+          <a:chExt cx="0" cy="0"/>
+        </a:xfrm>
+      </p:grpSpPr>
+      <p:sp>
+        <p:nvSpPr>
+          <p:cNvPr id="2" name="Titre 1">
+            <a:extLst>
+              <a:ext uri="{FF2B5EF4-FFF2-40B4-BE49-F238E27FC236}">
+                <a16:creationId xmlns:a16="http://schemas.microsoft.com/office/drawing/2014/main" id="{B3A6E592-384C-44DA-FE34-D098D538FC48}"/>
+              </a:ext>
+            </a:extLst>
+          </p:cNvPr>
+          <p:cNvSpPr>
+            <a:spLocks noGrp="1"/>
+          </p:cNvSpPr>
+          <p:nvPr>
+            <p:ph type="title"/>
+          </p:nvPr>
+        </p:nvSpPr>
+        <p:spPr/>
+        <p:txBody>
+          <a:bodyPr/>
+          <a:lstStyle/>
+          <a:p>
+            <a:r>
+              <a:rPr lang="fr-FR" dirty="0"/>
+              <a:t>16</a:t>
+            </a:r>
+          </a:p>
+        </p:txBody>
+      </p:sp>
+      <p:pic>
+        <p:nvPicPr>
+          <p:cNvPr id="5" name="Espace réservé du contenu 4">
+            <a:extLst>
+              <a:ext uri="{FF2B5EF4-FFF2-40B4-BE49-F238E27FC236}">
+                <a16:creationId xmlns:a16="http://schemas.microsoft.com/office/drawing/2014/main" id="{407F0BAC-ADF7-5A79-00AB-D1DA8C52B0CE}"/>
+              </a:ext>
+            </a:extLst>
+          </p:cNvPr>
+          <p:cNvPicPr>
+            <a:picLocks noGrp="1" noChangeAspect="1"/>
+          </p:cNvPicPr>
+          <p:nvPr>
+            <p:ph idx="1"/>
+          </p:nvPr>
+        </p:nvPicPr>
+        <p:blipFill>
+          <a:blip r:embed="rId2"/>
+          <a:stretch>
+            <a:fillRect/>
+          </a:stretch>
+        </p:blipFill>
+        <p:spPr>
+          <a:xfrm rot="10960828">
+            <a:off x="4332932" y="2698726"/>
+            <a:ext cx="3526137" cy="2010068"/>
+          </a:xfrm>
+        </p:spPr>
+      </p:pic>
+    </p:spTree>
+    <p:extLst>
+      <p:ext uri="{BB962C8B-B14F-4D97-AF65-F5344CB8AC3E}">
+        <p14:creationId xmlns:p14="http://schemas.microsoft.com/office/powerpoint/2010/main" val="2537664974"/>
+      </p:ext>
+    </p:extLst>
+  </p:cSld>
+  <p:clrMapOvr>
+    <a:masterClrMapping/>
+  </p:clrMapOvr>
+</p:sld>
+</file>
+
+<file path=ppt/slides/slide34.xml><?xml version="1.0" encoding="utf-8"?>
+<p:sld xmlns:a="http://schemas.openxmlformats.org/drawingml/2006/main" xmlns:r="http://schemas.openxmlformats.org/officeDocument/2006/relationships" xmlns:p="http://schemas.openxmlformats.org/presentationml/2006/main">
+  <p:cSld>
+    <p:spTree>
+      <p:nvGrpSpPr>
+        <p:cNvPr id="1" name=""/>
+        <p:cNvGrpSpPr/>
+        <p:nvPr/>
+      </p:nvGrpSpPr>
+      <p:grpSpPr>
+        <a:xfrm>
+          <a:off x="0" y="0"/>
+          <a:ext cx="0" cy="0"/>
+          <a:chOff x="0" y="0"/>
+          <a:chExt cx="0" cy="0"/>
+        </a:xfrm>
+      </p:grpSpPr>
+      <p:sp>
+        <p:nvSpPr>
+          <p:cNvPr id="2" name="Titre 1">
+            <a:extLst>
+              <a:ext uri="{FF2B5EF4-FFF2-40B4-BE49-F238E27FC236}">
+                <a16:creationId xmlns:a16="http://schemas.microsoft.com/office/drawing/2014/main" id="{C278B643-A834-417B-106E-10F8CD938868}"/>
+              </a:ext>
+            </a:extLst>
+          </p:cNvPr>
+          <p:cNvSpPr>
+            <a:spLocks noGrp="1"/>
+          </p:cNvSpPr>
+          <p:nvPr>
+            <p:ph type="title"/>
+          </p:nvPr>
+        </p:nvSpPr>
+        <p:spPr/>
+        <p:txBody>
+          <a:bodyPr/>
+          <a:lstStyle/>
+          <a:p>
+            <a:r>
+              <a:rPr lang="fr-FR" dirty="0"/>
+              <a:t>17</a:t>
+            </a:r>
+          </a:p>
+        </p:txBody>
+      </p:sp>
+      <p:pic>
+        <p:nvPicPr>
+          <p:cNvPr id="5" name="Espace réservé du contenu 4">
+            <a:extLst>
+              <a:ext uri="{FF2B5EF4-FFF2-40B4-BE49-F238E27FC236}">
+                <a16:creationId xmlns:a16="http://schemas.microsoft.com/office/drawing/2014/main" id="{43E4221E-6FCC-99B3-446B-8A43D5B56C59}"/>
+              </a:ext>
+            </a:extLst>
+          </p:cNvPr>
+          <p:cNvPicPr>
+            <a:picLocks noGrp="1" noChangeAspect="1"/>
+          </p:cNvPicPr>
+          <p:nvPr>
+            <p:ph idx="1"/>
+          </p:nvPr>
+        </p:nvPicPr>
+        <p:blipFill>
+          <a:blip r:embed="rId2"/>
+          <a:stretch>
+            <a:fillRect/>
+          </a:stretch>
+        </p:blipFill>
+        <p:spPr>
+          <a:xfrm rot="166686">
+            <a:off x="4946650" y="3150394"/>
+            <a:ext cx="2298700" cy="1701800"/>
+          </a:xfrm>
+        </p:spPr>
+      </p:pic>
+    </p:spTree>
+    <p:extLst>
+      <p:ext uri="{BB962C8B-B14F-4D97-AF65-F5344CB8AC3E}">
+        <p14:creationId xmlns:p14="http://schemas.microsoft.com/office/powerpoint/2010/main" val="1904831071"/>
+      </p:ext>
+    </p:extLst>
+  </p:cSld>
+  <p:clrMapOvr>
+    <a:masterClrMapping/>
+  </p:clrMapOvr>
+</p:sld>
+</file>
+
+<file path=ppt/slides/slide35.xml><?xml version="1.0" encoding="utf-8"?>
+<p:sld xmlns:a="http://schemas.openxmlformats.org/drawingml/2006/main" xmlns:r="http://schemas.openxmlformats.org/officeDocument/2006/relationships" xmlns:p="http://schemas.openxmlformats.org/presentationml/2006/main">
+  <p:cSld>
+    <p:spTree>
+      <p:nvGrpSpPr>
+        <p:cNvPr id="1" name=""/>
+        <p:cNvGrpSpPr/>
+        <p:nvPr/>
+      </p:nvGrpSpPr>
+      <p:grpSpPr>
+        <a:xfrm>
+          <a:off x="0" y="0"/>
+          <a:ext cx="0" cy="0"/>
+          <a:chOff x="0" y="0"/>
+          <a:chExt cx="0" cy="0"/>
+        </a:xfrm>
+      </p:grpSpPr>
+      <p:sp>
+        <p:nvSpPr>
+          <p:cNvPr id="2" name="Titre 1">
+            <a:extLst>
+              <a:ext uri="{FF2B5EF4-FFF2-40B4-BE49-F238E27FC236}">
+                <a16:creationId xmlns:a16="http://schemas.microsoft.com/office/drawing/2014/main" id="{08D05316-6811-5C7B-3AA9-D4FDE82E295F}"/>
+              </a:ext>
+            </a:extLst>
+          </p:cNvPr>
+          <p:cNvSpPr>
+            <a:spLocks noGrp="1"/>
+          </p:cNvSpPr>
+          <p:nvPr>
+            <p:ph type="title"/>
+          </p:nvPr>
+        </p:nvSpPr>
+        <p:spPr/>
+        <p:txBody>
+          <a:bodyPr/>
+          <a:lstStyle/>
+          <a:p>
+            <a:r>
+              <a:rPr lang="fr-FR" dirty="0"/>
+              <a:t>18</a:t>
+            </a:r>
+          </a:p>
+        </p:txBody>
+      </p:sp>
+      <p:pic>
+        <p:nvPicPr>
+          <p:cNvPr id="5" name="Espace réservé du contenu 4">
+            <a:extLst>
+              <a:ext uri="{FF2B5EF4-FFF2-40B4-BE49-F238E27FC236}">
+                <a16:creationId xmlns:a16="http://schemas.microsoft.com/office/drawing/2014/main" id="{923BBC0C-17D1-9DAD-995D-0631F21191ED}"/>
+              </a:ext>
+            </a:extLst>
+          </p:cNvPr>
+          <p:cNvPicPr>
+            <a:picLocks noGrp="1" noChangeAspect="1"/>
+          </p:cNvPicPr>
+          <p:nvPr>
+            <p:ph idx="1"/>
+          </p:nvPr>
+        </p:nvPicPr>
+        <p:blipFill>
+          <a:blip r:embed="rId2"/>
+          <a:stretch>
+            <a:fillRect/>
+          </a:stretch>
+        </p:blipFill>
+        <p:spPr>
+          <a:xfrm rot="11013696">
+            <a:off x="4610240" y="2660650"/>
+            <a:ext cx="2480889" cy="1536700"/>
+          </a:xfrm>
+        </p:spPr>
+      </p:pic>
+    </p:spTree>
+    <p:extLst>
+      <p:ext uri="{BB962C8B-B14F-4D97-AF65-F5344CB8AC3E}">
+        <p14:creationId xmlns:p14="http://schemas.microsoft.com/office/powerpoint/2010/main" val="1711251034"/>
+      </p:ext>
+    </p:extLst>
+  </p:cSld>
+  <p:clrMapOvr>
+    <a:masterClrMapping/>
+  </p:clrMapOvr>
+</p:sld>
+</file>
+
+<file path=ppt/slides/slide36.xml><?xml version="1.0" encoding="utf-8"?>
+<p:sld xmlns:a="http://schemas.openxmlformats.org/drawingml/2006/main" xmlns:r="http://schemas.openxmlformats.org/officeDocument/2006/relationships" xmlns:p="http://schemas.openxmlformats.org/presentationml/2006/main">
+  <p:cSld>
+    <p:spTree>
+      <p:nvGrpSpPr>
+        <p:cNvPr id="1" name=""/>
+        <p:cNvGrpSpPr/>
+        <p:nvPr/>
+      </p:nvGrpSpPr>
+      <p:grpSpPr>
+        <a:xfrm>
+          <a:off x="0" y="0"/>
+          <a:ext cx="0" cy="0"/>
+          <a:chOff x="0" y="0"/>
+          <a:chExt cx="0" cy="0"/>
+        </a:xfrm>
+      </p:grpSpPr>
+      <p:sp>
+        <p:nvSpPr>
+          <p:cNvPr id="2" name="Titre 1">
+            <a:extLst>
+              <a:ext uri="{FF2B5EF4-FFF2-40B4-BE49-F238E27FC236}">
+                <a16:creationId xmlns:a16="http://schemas.microsoft.com/office/drawing/2014/main" id="{CD9D195A-3CCB-C56C-5158-A42179907840}"/>
+              </a:ext>
+            </a:extLst>
+          </p:cNvPr>
+          <p:cNvSpPr>
+            <a:spLocks noGrp="1"/>
+          </p:cNvSpPr>
+          <p:nvPr>
+            <p:ph type="title"/>
+          </p:nvPr>
+        </p:nvSpPr>
+        <p:spPr/>
+        <p:txBody>
+          <a:bodyPr/>
+          <a:lstStyle/>
+          <a:p>
+            <a:r>
+              <a:rPr lang="fr-FR" dirty="0"/>
+              <a:t>19</a:t>
+            </a:r>
+          </a:p>
+        </p:txBody>
+      </p:sp>
+      <p:pic>
+        <p:nvPicPr>
+          <p:cNvPr id="5" name="Espace réservé du contenu 4">
+            <a:extLst>
+              <a:ext uri="{FF2B5EF4-FFF2-40B4-BE49-F238E27FC236}">
+                <a16:creationId xmlns:a16="http://schemas.microsoft.com/office/drawing/2014/main" id="{AB4CD12A-90C7-620B-B5D2-4C469B5256ED}"/>
+              </a:ext>
+            </a:extLst>
+          </p:cNvPr>
+          <p:cNvPicPr>
+            <a:picLocks noGrp="1" noChangeAspect="1"/>
+          </p:cNvPicPr>
+          <p:nvPr>
+            <p:ph idx="1"/>
+          </p:nvPr>
+        </p:nvPicPr>
+        <p:blipFill>
+          <a:blip r:embed="rId2"/>
+          <a:stretch>
+            <a:fillRect/>
+          </a:stretch>
+        </p:blipFill>
+        <p:spPr>
+          <a:xfrm rot="213386">
+            <a:off x="4737100" y="2482850"/>
+            <a:ext cx="2717800" cy="1892300"/>
+          </a:xfrm>
+        </p:spPr>
+      </p:pic>
+    </p:spTree>
+    <p:extLst>
+      <p:ext uri="{BB962C8B-B14F-4D97-AF65-F5344CB8AC3E}">
+        <p14:creationId xmlns:p14="http://schemas.microsoft.com/office/powerpoint/2010/main" val="3357294749"/>
+      </p:ext>
+    </p:extLst>
+  </p:cSld>
+  <p:clrMapOvr>
+    <a:masterClrMapping/>
+  </p:clrMapOvr>
+</p:sld>
+</file>
+
+<file path=ppt/slides/slide37.xml><?xml version="1.0" encoding="utf-8"?>
+<p:sld xmlns:a="http://schemas.openxmlformats.org/drawingml/2006/main" xmlns:r="http://schemas.openxmlformats.org/officeDocument/2006/relationships" xmlns:p="http://schemas.openxmlformats.org/presentationml/2006/main">
+  <p:cSld>
+    <p:spTree>
+      <p:nvGrpSpPr>
+        <p:cNvPr id="1" name=""/>
+        <p:cNvGrpSpPr/>
+        <p:nvPr/>
+      </p:nvGrpSpPr>
+      <p:grpSpPr>
+        <a:xfrm>
+          <a:off x="0" y="0"/>
+          <a:ext cx="0" cy="0"/>
+          <a:chOff x="0" y="0"/>
+          <a:chExt cx="0" cy="0"/>
+        </a:xfrm>
+      </p:grpSpPr>
+      <p:sp>
+        <p:nvSpPr>
+          <p:cNvPr id="2" name="Titre 1">
+            <a:extLst>
+              <a:ext uri="{FF2B5EF4-FFF2-40B4-BE49-F238E27FC236}">
+                <a16:creationId xmlns:a16="http://schemas.microsoft.com/office/drawing/2014/main" id="{A234511C-447A-7AAC-872C-4255F6F8AD49}"/>
+              </a:ext>
+            </a:extLst>
+          </p:cNvPr>
+          <p:cNvSpPr>
+            <a:spLocks noGrp="1"/>
+          </p:cNvSpPr>
+          <p:nvPr>
+            <p:ph type="title"/>
+          </p:nvPr>
+        </p:nvSpPr>
+        <p:spPr/>
+        <p:txBody>
+          <a:bodyPr/>
+          <a:lstStyle/>
+          <a:p>
+            <a:r>
+              <a:rPr lang="fr-FR" dirty="0"/>
+              <a:t>20</a:t>
+            </a:r>
+          </a:p>
+        </p:txBody>
+      </p:sp>
+      <p:pic>
+        <p:nvPicPr>
+          <p:cNvPr id="5" name="Espace réservé du contenu 4">
+            <a:extLst>
+              <a:ext uri="{FF2B5EF4-FFF2-40B4-BE49-F238E27FC236}">
+                <a16:creationId xmlns:a16="http://schemas.microsoft.com/office/drawing/2014/main" id="{8834416C-9E27-E475-DF99-1975051C5B57}"/>
+              </a:ext>
+            </a:extLst>
+          </p:cNvPr>
+          <p:cNvPicPr>
+            <a:picLocks noGrp="1" noChangeAspect="1"/>
+          </p:cNvPicPr>
+          <p:nvPr>
+            <p:ph idx="1"/>
+          </p:nvPr>
+        </p:nvPicPr>
+        <p:blipFill>
+          <a:blip r:embed="rId2"/>
+          <a:stretch>
+            <a:fillRect/>
+          </a:stretch>
+        </p:blipFill>
+        <p:spPr>
+          <a:xfrm rot="156580">
+            <a:off x="4768850" y="3124994"/>
+            <a:ext cx="2654300" cy="1752600"/>
+          </a:xfrm>
+        </p:spPr>
+      </p:pic>
+    </p:spTree>
+    <p:extLst>
+      <p:ext uri="{BB962C8B-B14F-4D97-AF65-F5344CB8AC3E}">
+        <p14:creationId xmlns:p14="http://schemas.microsoft.com/office/powerpoint/2010/main" val="1587800267"/>
+      </p:ext>
+    </p:extLst>
+  </p:cSld>
+  <p:clrMapOvr>
+    <a:masterClrMapping/>
+  </p:clrMapOvr>
+</p:sld>
+</file>
+
+<file path=ppt/slides/slide38.xml><?xml version="1.0" encoding="utf-8"?>
+<p:sld xmlns:a="http://schemas.openxmlformats.org/drawingml/2006/main" xmlns:r="http://schemas.openxmlformats.org/officeDocument/2006/relationships" xmlns:p="http://schemas.openxmlformats.org/presentationml/2006/main">
+  <p:cSld>
+    <p:spTree>
+      <p:nvGrpSpPr>
+        <p:cNvPr id="1" name=""/>
+        <p:cNvGrpSpPr/>
+        <p:nvPr/>
+      </p:nvGrpSpPr>
+      <p:grpSpPr>
+        <a:xfrm>
+          <a:off x="0" y="0"/>
+          <a:ext cx="0" cy="0"/>
+          <a:chOff x="0" y="0"/>
+          <a:chExt cx="0" cy="0"/>
+        </a:xfrm>
+      </p:grpSpPr>
+      <p:sp>
+        <p:nvSpPr>
+          <p:cNvPr id="2" name="Titre 1">
+            <a:extLst>
+              <a:ext uri="{FF2B5EF4-FFF2-40B4-BE49-F238E27FC236}">
+                <a16:creationId xmlns:a16="http://schemas.microsoft.com/office/drawing/2014/main" id="{24A0A80B-8B3F-1F37-019C-0AAE7F80A00F}"/>
+              </a:ext>
+            </a:extLst>
+          </p:cNvPr>
+          <p:cNvSpPr>
+            <a:spLocks noGrp="1"/>
+          </p:cNvSpPr>
+          <p:nvPr>
+            <p:ph type="title"/>
+          </p:nvPr>
+        </p:nvSpPr>
+        <p:spPr/>
+        <p:txBody>
+          <a:bodyPr/>
+          <a:lstStyle/>
+          <a:p>
+            <a:r>
+              <a:rPr lang="fr-FR" dirty="0"/>
+              <a:t>21</a:t>
+            </a:r>
+          </a:p>
+        </p:txBody>
+      </p:sp>
+      <p:pic>
+        <p:nvPicPr>
+          <p:cNvPr id="5" name="Espace réservé du contenu 4">
+            <a:extLst>
+              <a:ext uri="{FF2B5EF4-FFF2-40B4-BE49-F238E27FC236}">
+                <a16:creationId xmlns:a16="http://schemas.microsoft.com/office/drawing/2014/main" id="{5457DEEA-5FD9-397D-26DE-DE5CE061A4A8}"/>
+              </a:ext>
+            </a:extLst>
+          </p:cNvPr>
+          <p:cNvPicPr>
+            <a:picLocks noGrp="1" noChangeAspect="1"/>
+          </p:cNvPicPr>
+          <p:nvPr>
+            <p:ph idx="1"/>
+          </p:nvPr>
+        </p:nvPicPr>
+        <p:blipFill>
+          <a:blip r:embed="rId2"/>
+          <a:stretch>
+            <a:fillRect/>
+          </a:stretch>
+        </p:blipFill>
+        <p:spPr>
+          <a:xfrm rot="155092">
+            <a:off x="4616450" y="3061494"/>
+            <a:ext cx="2959100" cy="1879600"/>
+          </a:xfrm>
+        </p:spPr>
+      </p:pic>
+    </p:spTree>
+    <p:extLst>
+      <p:ext uri="{BB962C8B-B14F-4D97-AF65-F5344CB8AC3E}">
+        <p14:creationId xmlns:p14="http://schemas.microsoft.com/office/powerpoint/2010/main" val="988878410"/>
+      </p:ext>
+    </p:extLst>
+  </p:cSld>
+  <p:clrMapOvr>
+    <a:masterClrMapping/>
+  </p:clrMapOvr>
+</p:sld>
+</file>
+
+<file path=ppt/slides/slide39.xml><?xml version="1.0" encoding="utf-8"?>
+<p:sld xmlns:a="http://schemas.openxmlformats.org/drawingml/2006/main" xmlns:r="http://schemas.openxmlformats.org/officeDocument/2006/relationships" xmlns:p="http://schemas.openxmlformats.org/presentationml/2006/main">
+  <p:cSld>
+    <p:spTree>
+      <p:nvGrpSpPr>
+        <p:cNvPr id="1" name=""/>
+        <p:cNvGrpSpPr/>
+        <p:nvPr/>
+      </p:nvGrpSpPr>
+      <p:grpSpPr>
+        <a:xfrm>
+          <a:off x="0" y="0"/>
+          <a:ext cx="0" cy="0"/>
+          <a:chOff x="0" y="0"/>
+          <a:chExt cx="0" cy="0"/>
+        </a:xfrm>
+      </p:grpSpPr>
+      <p:sp>
+        <p:nvSpPr>
+          <p:cNvPr id="2" name="Titre 1">
+            <a:extLst>
+              <a:ext uri="{FF2B5EF4-FFF2-40B4-BE49-F238E27FC236}">
+                <a16:creationId xmlns:a16="http://schemas.microsoft.com/office/drawing/2014/main" id="{C39E2B22-A536-85F3-9104-5B8B5EFA36C1}"/>
+              </a:ext>
+            </a:extLst>
+          </p:cNvPr>
+          <p:cNvSpPr>
+            <a:spLocks noGrp="1"/>
+          </p:cNvSpPr>
+          <p:nvPr>
+            <p:ph type="title"/>
+          </p:nvPr>
+        </p:nvSpPr>
+        <p:spPr/>
+        <p:txBody>
+          <a:bodyPr/>
+          <a:lstStyle/>
+          <a:p>
+            <a:r>
+              <a:rPr lang="fr-FR" dirty="0"/>
+              <a:t>22</a:t>
+            </a:r>
+          </a:p>
+        </p:txBody>
+      </p:sp>
+      <p:pic>
+        <p:nvPicPr>
+          <p:cNvPr id="5" name="Espace réservé du contenu 4">
+            <a:extLst>
+              <a:ext uri="{FF2B5EF4-FFF2-40B4-BE49-F238E27FC236}">
+                <a16:creationId xmlns:a16="http://schemas.microsoft.com/office/drawing/2014/main" id="{92AF1B87-7E32-CF56-839F-D35B98DBBA0E}"/>
+              </a:ext>
+            </a:extLst>
+          </p:cNvPr>
+          <p:cNvPicPr>
+            <a:picLocks noGrp="1" noChangeAspect="1"/>
+          </p:cNvPicPr>
+          <p:nvPr>
+            <p:ph idx="1"/>
+          </p:nvPr>
+        </p:nvPicPr>
+        <p:blipFill>
+          <a:blip r:embed="rId2"/>
+          <a:stretch>
+            <a:fillRect/>
+          </a:stretch>
+        </p:blipFill>
+        <p:spPr>
+          <a:xfrm rot="220207">
+            <a:off x="4578350" y="3239294"/>
+            <a:ext cx="3035300" cy="1524000"/>
+          </a:xfrm>
+        </p:spPr>
+      </p:pic>
+    </p:spTree>
+    <p:extLst>
+      <p:ext uri="{BB962C8B-B14F-4D97-AF65-F5344CB8AC3E}">
+        <p14:creationId xmlns:p14="http://schemas.microsoft.com/office/powerpoint/2010/main" val="2634026983"/>
       </p:ext>
     </p:extLst>
   </p:cSld>
@@ -5147,6 +7460,876 @@
     <p:extLst>
       <p:ext uri="{BB962C8B-B14F-4D97-AF65-F5344CB8AC3E}">
         <p14:creationId xmlns:p14="http://schemas.microsoft.com/office/powerpoint/2010/main" val="4003166169"/>
+      </p:ext>
+    </p:extLst>
+  </p:cSld>
+  <p:clrMapOvr>
+    <a:masterClrMapping/>
+  </p:clrMapOvr>
+</p:sld>
+</file>
+
+<file path=ppt/slides/slide40.xml><?xml version="1.0" encoding="utf-8"?>
+<p:sld xmlns:a="http://schemas.openxmlformats.org/drawingml/2006/main" xmlns:r="http://schemas.openxmlformats.org/officeDocument/2006/relationships" xmlns:p="http://schemas.openxmlformats.org/presentationml/2006/main">
+  <p:cSld>
+    <p:spTree>
+      <p:nvGrpSpPr>
+        <p:cNvPr id="1" name=""/>
+        <p:cNvGrpSpPr/>
+        <p:nvPr/>
+      </p:nvGrpSpPr>
+      <p:grpSpPr>
+        <a:xfrm>
+          <a:off x="0" y="0"/>
+          <a:ext cx="0" cy="0"/>
+          <a:chOff x="0" y="0"/>
+          <a:chExt cx="0" cy="0"/>
+        </a:xfrm>
+      </p:grpSpPr>
+      <p:sp>
+        <p:nvSpPr>
+          <p:cNvPr id="2" name="Titre 1">
+            <a:extLst>
+              <a:ext uri="{FF2B5EF4-FFF2-40B4-BE49-F238E27FC236}">
+                <a16:creationId xmlns:a16="http://schemas.microsoft.com/office/drawing/2014/main" id="{0BD59E49-A248-62EE-A29A-0686B6E5E8AD}"/>
+              </a:ext>
+            </a:extLst>
+          </p:cNvPr>
+          <p:cNvSpPr>
+            <a:spLocks noGrp="1"/>
+          </p:cNvSpPr>
+          <p:nvPr>
+            <p:ph type="title"/>
+          </p:nvPr>
+        </p:nvSpPr>
+        <p:spPr/>
+        <p:txBody>
+          <a:bodyPr/>
+          <a:lstStyle/>
+          <a:p>
+            <a:r>
+              <a:rPr lang="fr-FR" dirty="0"/>
+              <a:t>23</a:t>
+            </a:r>
+          </a:p>
+        </p:txBody>
+      </p:sp>
+      <p:pic>
+        <p:nvPicPr>
+          <p:cNvPr id="5" name="Espace réservé du contenu 4">
+            <a:extLst>
+              <a:ext uri="{FF2B5EF4-FFF2-40B4-BE49-F238E27FC236}">
+                <a16:creationId xmlns:a16="http://schemas.microsoft.com/office/drawing/2014/main" id="{A26DF6C2-83E3-58AB-6309-49068C07236A}"/>
+              </a:ext>
+            </a:extLst>
+          </p:cNvPr>
+          <p:cNvPicPr>
+            <a:picLocks noGrp="1" noChangeAspect="1"/>
+          </p:cNvPicPr>
+          <p:nvPr>
+            <p:ph idx="1"/>
+          </p:nvPr>
+        </p:nvPicPr>
+        <p:blipFill>
+          <a:blip r:embed="rId2"/>
+          <a:stretch>
+            <a:fillRect/>
+          </a:stretch>
+        </p:blipFill>
+        <p:spPr>
+          <a:xfrm rot="166657">
+            <a:off x="4679950" y="3163094"/>
+            <a:ext cx="2832100" cy="1676400"/>
+          </a:xfrm>
+        </p:spPr>
+      </p:pic>
+    </p:spTree>
+    <p:extLst>
+      <p:ext uri="{BB962C8B-B14F-4D97-AF65-F5344CB8AC3E}">
+        <p14:creationId xmlns:p14="http://schemas.microsoft.com/office/powerpoint/2010/main" val="661829924"/>
+      </p:ext>
+    </p:extLst>
+  </p:cSld>
+  <p:clrMapOvr>
+    <a:masterClrMapping/>
+  </p:clrMapOvr>
+</p:sld>
+</file>
+
+<file path=ppt/slides/slide41.xml><?xml version="1.0" encoding="utf-8"?>
+<p:sld xmlns:a="http://schemas.openxmlformats.org/drawingml/2006/main" xmlns:r="http://schemas.openxmlformats.org/officeDocument/2006/relationships" xmlns:p="http://schemas.openxmlformats.org/presentationml/2006/main">
+  <p:cSld>
+    <p:spTree>
+      <p:nvGrpSpPr>
+        <p:cNvPr id="1" name=""/>
+        <p:cNvGrpSpPr/>
+        <p:nvPr/>
+      </p:nvGrpSpPr>
+      <p:grpSpPr>
+        <a:xfrm>
+          <a:off x="0" y="0"/>
+          <a:ext cx="0" cy="0"/>
+          <a:chOff x="0" y="0"/>
+          <a:chExt cx="0" cy="0"/>
+        </a:xfrm>
+      </p:grpSpPr>
+      <p:sp>
+        <p:nvSpPr>
+          <p:cNvPr id="2" name="Titre 1">
+            <a:extLst>
+              <a:ext uri="{FF2B5EF4-FFF2-40B4-BE49-F238E27FC236}">
+                <a16:creationId xmlns:a16="http://schemas.microsoft.com/office/drawing/2014/main" id="{7E3FE763-1BDB-0D2D-9E63-051242B8CF2F}"/>
+              </a:ext>
+            </a:extLst>
+          </p:cNvPr>
+          <p:cNvSpPr>
+            <a:spLocks noGrp="1"/>
+          </p:cNvSpPr>
+          <p:nvPr>
+            <p:ph type="title"/>
+          </p:nvPr>
+        </p:nvSpPr>
+        <p:spPr/>
+        <p:txBody>
+          <a:bodyPr/>
+          <a:lstStyle/>
+          <a:p>
+            <a:r>
+              <a:rPr lang="fr-FR" dirty="0"/>
+              <a:t>24</a:t>
+            </a:r>
+          </a:p>
+        </p:txBody>
+      </p:sp>
+      <p:pic>
+        <p:nvPicPr>
+          <p:cNvPr id="5" name="Espace réservé du contenu 4">
+            <a:extLst>
+              <a:ext uri="{FF2B5EF4-FFF2-40B4-BE49-F238E27FC236}">
+                <a16:creationId xmlns:a16="http://schemas.microsoft.com/office/drawing/2014/main" id="{FA8E6B1B-5BF9-B6CB-D9E2-570DE577D27A}"/>
+              </a:ext>
+            </a:extLst>
+          </p:cNvPr>
+          <p:cNvPicPr>
+            <a:picLocks noGrp="1" noChangeAspect="1"/>
+          </p:cNvPicPr>
+          <p:nvPr>
+            <p:ph idx="1"/>
+          </p:nvPr>
+        </p:nvPicPr>
+        <p:blipFill>
+          <a:blip r:embed="rId2"/>
+          <a:stretch>
+            <a:fillRect/>
+          </a:stretch>
+        </p:blipFill>
+        <p:spPr>
+          <a:xfrm rot="532252">
+            <a:off x="4756149" y="2888730"/>
+            <a:ext cx="2679700" cy="1384300"/>
+          </a:xfrm>
+        </p:spPr>
+      </p:pic>
+    </p:spTree>
+    <p:extLst>
+      <p:ext uri="{BB962C8B-B14F-4D97-AF65-F5344CB8AC3E}">
+        <p14:creationId xmlns:p14="http://schemas.microsoft.com/office/powerpoint/2010/main" val="385552259"/>
+      </p:ext>
+    </p:extLst>
+  </p:cSld>
+  <p:clrMapOvr>
+    <a:masterClrMapping/>
+  </p:clrMapOvr>
+</p:sld>
+</file>
+
+<file path=ppt/slides/slide42.xml><?xml version="1.0" encoding="utf-8"?>
+<p:sld xmlns:a="http://schemas.openxmlformats.org/drawingml/2006/main" xmlns:r="http://schemas.openxmlformats.org/officeDocument/2006/relationships" xmlns:p="http://schemas.openxmlformats.org/presentationml/2006/main">
+  <p:cSld>
+    <p:spTree>
+      <p:nvGrpSpPr>
+        <p:cNvPr id="1" name=""/>
+        <p:cNvGrpSpPr/>
+        <p:nvPr/>
+      </p:nvGrpSpPr>
+      <p:grpSpPr>
+        <a:xfrm>
+          <a:off x="0" y="0"/>
+          <a:ext cx="0" cy="0"/>
+          <a:chOff x="0" y="0"/>
+          <a:chExt cx="0" cy="0"/>
+        </a:xfrm>
+      </p:grpSpPr>
+      <p:sp>
+        <p:nvSpPr>
+          <p:cNvPr id="2" name="Titre 1">
+            <a:extLst>
+              <a:ext uri="{FF2B5EF4-FFF2-40B4-BE49-F238E27FC236}">
+                <a16:creationId xmlns:a16="http://schemas.microsoft.com/office/drawing/2014/main" id="{661ECAF1-221C-59CB-2241-2837F796AB44}"/>
+              </a:ext>
+            </a:extLst>
+          </p:cNvPr>
+          <p:cNvSpPr>
+            <a:spLocks noGrp="1"/>
+          </p:cNvSpPr>
+          <p:nvPr>
+            <p:ph type="title"/>
+          </p:nvPr>
+        </p:nvSpPr>
+        <p:spPr/>
+        <p:txBody>
+          <a:bodyPr/>
+          <a:lstStyle/>
+          <a:p>
+            <a:r>
+              <a:rPr lang="fr-FR" dirty="0"/>
+              <a:t>25</a:t>
+            </a:r>
+          </a:p>
+        </p:txBody>
+      </p:sp>
+      <p:pic>
+        <p:nvPicPr>
+          <p:cNvPr id="5" name="Espace réservé du contenu 4">
+            <a:extLst>
+              <a:ext uri="{FF2B5EF4-FFF2-40B4-BE49-F238E27FC236}">
+                <a16:creationId xmlns:a16="http://schemas.microsoft.com/office/drawing/2014/main" id="{00AFC038-E62F-2FF2-DFC4-7A424FCD8C37}"/>
+              </a:ext>
+            </a:extLst>
+          </p:cNvPr>
+          <p:cNvPicPr>
+            <a:picLocks noGrp="1" noChangeAspect="1"/>
+          </p:cNvPicPr>
+          <p:nvPr>
+            <p:ph idx="1"/>
+          </p:nvPr>
+        </p:nvPicPr>
+        <p:blipFill>
+          <a:blip r:embed="rId2"/>
+          <a:stretch>
+            <a:fillRect/>
+          </a:stretch>
+        </p:blipFill>
+        <p:spPr>
+          <a:xfrm rot="11194615">
+            <a:off x="4197350" y="2451100"/>
+            <a:ext cx="3797300" cy="1955800"/>
+          </a:xfrm>
+        </p:spPr>
+      </p:pic>
+    </p:spTree>
+    <p:extLst>
+      <p:ext uri="{BB962C8B-B14F-4D97-AF65-F5344CB8AC3E}">
+        <p14:creationId xmlns:p14="http://schemas.microsoft.com/office/powerpoint/2010/main" val="1332147113"/>
+      </p:ext>
+    </p:extLst>
+  </p:cSld>
+  <p:clrMapOvr>
+    <a:masterClrMapping/>
+  </p:clrMapOvr>
+</p:sld>
+</file>
+
+<file path=ppt/slides/slide43.xml><?xml version="1.0" encoding="utf-8"?>
+<p:sld xmlns:a="http://schemas.openxmlformats.org/drawingml/2006/main" xmlns:r="http://schemas.openxmlformats.org/officeDocument/2006/relationships" xmlns:p="http://schemas.openxmlformats.org/presentationml/2006/main">
+  <p:cSld>
+    <p:spTree>
+      <p:nvGrpSpPr>
+        <p:cNvPr id="1" name=""/>
+        <p:cNvGrpSpPr/>
+        <p:nvPr/>
+      </p:nvGrpSpPr>
+      <p:grpSpPr>
+        <a:xfrm>
+          <a:off x="0" y="0"/>
+          <a:ext cx="0" cy="0"/>
+          <a:chOff x="0" y="0"/>
+          <a:chExt cx="0" cy="0"/>
+        </a:xfrm>
+      </p:grpSpPr>
+      <p:sp>
+        <p:nvSpPr>
+          <p:cNvPr id="2" name="Titre 1">
+            <a:extLst>
+              <a:ext uri="{FF2B5EF4-FFF2-40B4-BE49-F238E27FC236}">
+                <a16:creationId xmlns:a16="http://schemas.microsoft.com/office/drawing/2014/main" id="{0B251FBF-5105-F53F-548B-CC75177FC9E1}"/>
+              </a:ext>
+            </a:extLst>
+          </p:cNvPr>
+          <p:cNvSpPr>
+            <a:spLocks noGrp="1"/>
+          </p:cNvSpPr>
+          <p:nvPr>
+            <p:ph type="title"/>
+          </p:nvPr>
+        </p:nvSpPr>
+        <p:spPr/>
+        <p:txBody>
+          <a:bodyPr/>
+          <a:lstStyle/>
+          <a:p>
+            <a:r>
+              <a:rPr lang="fr-FR" dirty="0"/>
+              <a:t>26</a:t>
+            </a:r>
+          </a:p>
+        </p:txBody>
+      </p:sp>
+      <p:pic>
+        <p:nvPicPr>
+          <p:cNvPr id="5" name="Espace réservé du contenu 4">
+            <a:extLst>
+              <a:ext uri="{FF2B5EF4-FFF2-40B4-BE49-F238E27FC236}">
+                <a16:creationId xmlns:a16="http://schemas.microsoft.com/office/drawing/2014/main" id="{020C5C95-3C25-AAE4-30D6-E5BF61DF5C65}"/>
+              </a:ext>
+            </a:extLst>
+          </p:cNvPr>
+          <p:cNvPicPr>
+            <a:picLocks noGrp="1" noChangeAspect="1"/>
+          </p:cNvPicPr>
+          <p:nvPr>
+            <p:ph idx="1"/>
+          </p:nvPr>
+        </p:nvPicPr>
+        <p:blipFill>
+          <a:blip r:embed="rId2"/>
+          <a:stretch>
+            <a:fillRect/>
+          </a:stretch>
+        </p:blipFill>
+        <p:spPr>
+          <a:xfrm rot="11236141">
+            <a:off x="4908550" y="3194844"/>
+            <a:ext cx="2374900" cy="1612900"/>
+          </a:xfrm>
+        </p:spPr>
+      </p:pic>
+    </p:spTree>
+    <p:extLst>
+      <p:ext uri="{BB962C8B-B14F-4D97-AF65-F5344CB8AC3E}">
+        <p14:creationId xmlns:p14="http://schemas.microsoft.com/office/powerpoint/2010/main" val="913473336"/>
+      </p:ext>
+    </p:extLst>
+  </p:cSld>
+  <p:clrMapOvr>
+    <a:masterClrMapping/>
+  </p:clrMapOvr>
+</p:sld>
+</file>
+
+<file path=ppt/slides/slide44.xml><?xml version="1.0" encoding="utf-8"?>
+<p:sld xmlns:a="http://schemas.openxmlformats.org/drawingml/2006/main" xmlns:r="http://schemas.openxmlformats.org/officeDocument/2006/relationships" xmlns:p="http://schemas.openxmlformats.org/presentationml/2006/main">
+  <p:cSld>
+    <p:spTree>
+      <p:nvGrpSpPr>
+        <p:cNvPr id="1" name=""/>
+        <p:cNvGrpSpPr/>
+        <p:nvPr/>
+      </p:nvGrpSpPr>
+      <p:grpSpPr>
+        <a:xfrm>
+          <a:off x="0" y="0"/>
+          <a:ext cx="0" cy="0"/>
+          <a:chOff x="0" y="0"/>
+          <a:chExt cx="0" cy="0"/>
+        </a:xfrm>
+      </p:grpSpPr>
+      <p:sp>
+        <p:nvSpPr>
+          <p:cNvPr id="2" name="Titre 1">
+            <a:extLst>
+              <a:ext uri="{FF2B5EF4-FFF2-40B4-BE49-F238E27FC236}">
+                <a16:creationId xmlns:a16="http://schemas.microsoft.com/office/drawing/2014/main" id="{350377D5-A2CF-BEB7-D7E6-8E3DE762ABDF}"/>
+              </a:ext>
+            </a:extLst>
+          </p:cNvPr>
+          <p:cNvSpPr>
+            <a:spLocks noGrp="1"/>
+          </p:cNvSpPr>
+          <p:nvPr>
+            <p:ph type="title"/>
+          </p:nvPr>
+        </p:nvSpPr>
+        <p:spPr/>
+        <p:txBody>
+          <a:bodyPr/>
+          <a:lstStyle/>
+          <a:p>
+            <a:r>
+              <a:rPr lang="fr-FR" dirty="0"/>
+              <a:t>27</a:t>
+            </a:r>
+          </a:p>
+        </p:txBody>
+      </p:sp>
+      <p:pic>
+        <p:nvPicPr>
+          <p:cNvPr id="5" name="Espace réservé du contenu 4">
+            <a:extLst>
+              <a:ext uri="{FF2B5EF4-FFF2-40B4-BE49-F238E27FC236}">
+                <a16:creationId xmlns:a16="http://schemas.microsoft.com/office/drawing/2014/main" id="{2AC75DE5-505E-B50D-96D4-272BBF54E198}"/>
+              </a:ext>
+            </a:extLst>
+          </p:cNvPr>
+          <p:cNvPicPr>
+            <a:picLocks noGrp="1" noChangeAspect="1"/>
+          </p:cNvPicPr>
+          <p:nvPr>
+            <p:ph idx="1"/>
+          </p:nvPr>
+        </p:nvPicPr>
+        <p:blipFill>
+          <a:blip r:embed="rId2"/>
+          <a:stretch>
+            <a:fillRect/>
+          </a:stretch>
+        </p:blipFill>
+        <p:spPr>
+          <a:xfrm rot="11217900">
+            <a:off x="4317999" y="2565400"/>
+            <a:ext cx="3556000" cy="1727200"/>
+          </a:xfrm>
+        </p:spPr>
+      </p:pic>
+    </p:spTree>
+    <p:extLst>
+      <p:ext uri="{BB962C8B-B14F-4D97-AF65-F5344CB8AC3E}">
+        <p14:creationId xmlns:p14="http://schemas.microsoft.com/office/powerpoint/2010/main" val="2778595258"/>
+      </p:ext>
+    </p:extLst>
+  </p:cSld>
+  <p:clrMapOvr>
+    <a:masterClrMapping/>
+  </p:clrMapOvr>
+</p:sld>
+</file>
+
+<file path=ppt/slides/slide45.xml><?xml version="1.0" encoding="utf-8"?>
+<p:sld xmlns:a="http://schemas.openxmlformats.org/drawingml/2006/main" xmlns:r="http://schemas.openxmlformats.org/officeDocument/2006/relationships" xmlns:p="http://schemas.openxmlformats.org/presentationml/2006/main">
+  <p:cSld>
+    <p:spTree>
+      <p:nvGrpSpPr>
+        <p:cNvPr id="1" name=""/>
+        <p:cNvGrpSpPr/>
+        <p:nvPr/>
+      </p:nvGrpSpPr>
+      <p:grpSpPr>
+        <a:xfrm>
+          <a:off x="0" y="0"/>
+          <a:ext cx="0" cy="0"/>
+          <a:chOff x="0" y="0"/>
+          <a:chExt cx="0" cy="0"/>
+        </a:xfrm>
+      </p:grpSpPr>
+      <p:sp>
+        <p:nvSpPr>
+          <p:cNvPr id="2" name="Titre 1">
+            <a:extLst>
+              <a:ext uri="{FF2B5EF4-FFF2-40B4-BE49-F238E27FC236}">
+                <a16:creationId xmlns:a16="http://schemas.microsoft.com/office/drawing/2014/main" id="{2DD19229-716E-4023-2B09-0D26B4AA6AB0}"/>
+              </a:ext>
+            </a:extLst>
+          </p:cNvPr>
+          <p:cNvSpPr>
+            <a:spLocks noGrp="1"/>
+          </p:cNvSpPr>
+          <p:nvPr>
+            <p:ph type="title"/>
+          </p:nvPr>
+        </p:nvSpPr>
+        <p:spPr/>
+        <p:txBody>
+          <a:bodyPr/>
+          <a:lstStyle/>
+          <a:p>
+            <a:r>
+              <a:rPr lang="fr-FR" dirty="0"/>
+              <a:t>28</a:t>
+            </a:r>
+          </a:p>
+        </p:txBody>
+      </p:sp>
+      <p:pic>
+        <p:nvPicPr>
+          <p:cNvPr id="5" name="Espace réservé du contenu 4">
+            <a:extLst>
+              <a:ext uri="{FF2B5EF4-FFF2-40B4-BE49-F238E27FC236}">
+                <a16:creationId xmlns:a16="http://schemas.microsoft.com/office/drawing/2014/main" id="{1AEBEB40-D4AD-F2FC-A70C-F677404201E3}"/>
+              </a:ext>
+            </a:extLst>
+          </p:cNvPr>
+          <p:cNvPicPr>
+            <a:picLocks noGrp="1" noChangeAspect="1"/>
+          </p:cNvPicPr>
+          <p:nvPr>
+            <p:ph idx="1"/>
+          </p:nvPr>
+        </p:nvPicPr>
+        <p:blipFill>
+          <a:blip r:embed="rId2"/>
+          <a:stretch>
+            <a:fillRect/>
+          </a:stretch>
+        </p:blipFill>
+        <p:spPr>
+          <a:xfrm rot="11137526">
+            <a:off x="4648200" y="2698750"/>
+            <a:ext cx="2895600" cy="1460500"/>
+          </a:xfrm>
+        </p:spPr>
+      </p:pic>
+    </p:spTree>
+    <p:extLst>
+      <p:ext uri="{BB962C8B-B14F-4D97-AF65-F5344CB8AC3E}">
+        <p14:creationId xmlns:p14="http://schemas.microsoft.com/office/powerpoint/2010/main" val="4004514298"/>
+      </p:ext>
+    </p:extLst>
+  </p:cSld>
+  <p:clrMapOvr>
+    <a:masterClrMapping/>
+  </p:clrMapOvr>
+</p:sld>
+</file>
+
+<file path=ppt/slides/slide46.xml><?xml version="1.0" encoding="utf-8"?>
+<p:sld xmlns:a="http://schemas.openxmlformats.org/drawingml/2006/main" xmlns:r="http://schemas.openxmlformats.org/officeDocument/2006/relationships" xmlns:p="http://schemas.openxmlformats.org/presentationml/2006/main">
+  <p:cSld>
+    <p:spTree>
+      <p:nvGrpSpPr>
+        <p:cNvPr id="1" name=""/>
+        <p:cNvGrpSpPr/>
+        <p:nvPr/>
+      </p:nvGrpSpPr>
+      <p:grpSpPr>
+        <a:xfrm>
+          <a:off x="0" y="0"/>
+          <a:ext cx="0" cy="0"/>
+          <a:chOff x="0" y="0"/>
+          <a:chExt cx="0" cy="0"/>
+        </a:xfrm>
+      </p:grpSpPr>
+      <p:sp>
+        <p:nvSpPr>
+          <p:cNvPr id="2" name="Titre 1">
+            <a:extLst>
+              <a:ext uri="{FF2B5EF4-FFF2-40B4-BE49-F238E27FC236}">
+                <a16:creationId xmlns:a16="http://schemas.microsoft.com/office/drawing/2014/main" id="{7C03F01B-752F-571A-816F-1B08F4611A5C}"/>
+              </a:ext>
+            </a:extLst>
+          </p:cNvPr>
+          <p:cNvSpPr>
+            <a:spLocks noGrp="1"/>
+          </p:cNvSpPr>
+          <p:nvPr>
+            <p:ph type="title"/>
+          </p:nvPr>
+        </p:nvSpPr>
+        <p:spPr/>
+        <p:txBody>
+          <a:bodyPr/>
+          <a:lstStyle/>
+          <a:p>
+            <a:r>
+              <a:rPr lang="fr-FR" dirty="0"/>
+              <a:t>29</a:t>
+            </a:r>
+          </a:p>
+        </p:txBody>
+      </p:sp>
+      <p:pic>
+        <p:nvPicPr>
+          <p:cNvPr id="5" name="Espace réservé du contenu 4">
+            <a:extLst>
+              <a:ext uri="{FF2B5EF4-FFF2-40B4-BE49-F238E27FC236}">
+                <a16:creationId xmlns:a16="http://schemas.microsoft.com/office/drawing/2014/main" id="{87C92A2B-7DD7-7D70-FF17-CF3C96A5B937}"/>
+              </a:ext>
+            </a:extLst>
+          </p:cNvPr>
+          <p:cNvPicPr>
+            <a:picLocks noGrp="1" noChangeAspect="1"/>
+          </p:cNvPicPr>
+          <p:nvPr>
+            <p:ph idx="1"/>
+          </p:nvPr>
+        </p:nvPicPr>
+        <p:blipFill>
+          <a:blip r:embed="rId2"/>
+          <a:stretch>
+            <a:fillRect/>
+          </a:stretch>
+        </p:blipFill>
+        <p:spPr>
+          <a:xfrm rot="11217050">
+            <a:off x="4730750" y="2540000"/>
+            <a:ext cx="2730500" cy="1778000"/>
+          </a:xfrm>
+        </p:spPr>
+      </p:pic>
+    </p:spTree>
+    <p:extLst>
+      <p:ext uri="{BB962C8B-B14F-4D97-AF65-F5344CB8AC3E}">
+        <p14:creationId xmlns:p14="http://schemas.microsoft.com/office/powerpoint/2010/main" val="3534101003"/>
+      </p:ext>
+    </p:extLst>
+  </p:cSld>
+  <p:clrMapOvr>
+    <a:masterClrMapping/>
+  </p:clrMapOvr>
+</p:sld>
+</file>
+
+<file path=ppt/slides/slide47.xml><?xml version="1.0" encoding="utf-8"?>
+<p:sld xmlns:a="http://schemas.openxmlformats.org/drawingml/2006/main" xmlns:r="http://schemas.openxmlformats.org/officeDocument/2006/relationships" xmlns:p="http://schemas.openxmlformats.org/presentationml/2006/main">
+  <p:cSld>
+    <p:spTree>
+      <p:nvGrpSpPr>
+        <p:cNvPr id="1" name=""/>
+        <p:cNvGrpSpPr/>
+        <p:nvPr/>
+      </p:nvGrpSpPr>
+      <p:grpSpPr>
+        <a:xfrm>
+          <a:off x="0" y="0"/>
+          <a:ext cx="0" cy="0"/>
+          <a:chOff x="0" y="0"/>
+          <a:chExt cx="0" cy="0"/>
+        </a:xfrm>
+      </p:grpSpPr>
+      <p:sp>
+        <p:nvSpPr>
+          <p:cNvPr id="2" name="Titre 1">
+            <a:extLst>
+              <a:ext uri="{FF2B5EF4-FFF2-40B4-BE49-F238E27FC236}">
+                <a16:creationId xmlns:a16="http://schemas.microsoft.com/office/drawing/2014/main" id="{12A3DF55-F4AD-3252-F671-924120BBF541}"/>
+              </a:ext>
+            </a:extLst>
+          </p:cNvPr>
+          <p:cNvSpPr>
+            <a:spLocks noGrp="1"/>
+          </p:cNvSpPr>
+          <p:nvPr>
+            <p:ph type="title"/>
+          </p:nvPr>
+        </p:nvSpPr>
+        <p:spPr/>
+        <p:txBody>
+          <a:bodyPr/>
+          <a:lstStyle/>
+          <a:p>
+            <a:r>
+              <a:rPr lang="fr-FR" dirty="0"/>
+              <a:t>30</a:t>
+            </a:r>
+          </a:p>
+        </p:txBody>
+      </p:sp>
+      <p:pic>
+        <p:nvPicPr>
+          <p:cNvPr id="5" name="Espace réservé du contenu 4">
+            <a:extLst>
+              <a:ext uri="{FF2B5EF4-FFF2-40B4-BE49-F238E27FC236}">
+                <a16:creationId xmlns:a16="http://schemas.microsoft.com/office/drawing/2014/main" id="{ABA4A9AE-8160-BBBC-3E67-7B25D51F0E43}"/>
+              </a:ext>
+            </a:extLst>
+          </p:cNvPr>
+          <p:cNvPicPr>
+            <a:picLocks noGrp="1" noChangeAspect="1"/>
+          </p:cNvPicPr>
+          <p:nvPr>
+            <p:ph idx="1"/>
+          </p:nvPr>
+        </p:nvPicPr>
+        <p:blipFill>
+          <a:blip r:embed="rId2"/>
+          <a:stretch>
+            <a:fillRect/>
+          </a:stretch>
+        </p:blipFill>
+        <p:spPr>
+          <a:xfrm rot="10800000">
+            <a:off x="5111750" y="2799830"/>
+            <a:ext cx="1968500" cy="1562100"/>
+          </a:xfrm>
+        </p:spPr>
+      </p:pic>
+    </p:spTree>
+    <p:extLst>
+      <p:ext uri="{BB962C8B-B14F-4D97-AF65-F5344CB8AC3E}">
+        <p14:creationId xmlns:p14="http://schemas.microsoft.com/office/powerpoint/2010/main" val="1723050077"/>
+      </p:ext>
+    </p:extLst>
+  </p:cSld>
+  <p:clrMapOvr>
+    <a:masterClrMapping/>
+  </p:clrMapOvr>
+</p:sld>
+</file>
+
+<file path=ppt/slides/slide48.xml><?xml version="1.0" encoding="utf-8"?>
+<p:sld xmlns:a="http://schemas.openxmlformats.org/drawingml/2006/main" xmlns:r="http://schemas.openxmlformats.org/officeDocument/2006/relationships" xmlns:p="http://schemas.openxmlformats.org/presentationml/2006/main">
+  <p:cSld>
+    <p:spTree>
+      <p:nvGrpSpPr>
+        <p:cNvPr id="1" name=""/>
+        <p:cNvGrpSpPr/>
+        <p:nvPr/>
+      </p:nvGrpSpPr>
+      <p:grpSpPr>
+        <a:xfrm>
+          <a:off x="0" y="0"/>
+          <a:ext cx="0" cy="0"/>
+          <a:chOff x="0" y="0"/>
+          <a:chExt cx="0" cy="0"/>
+        </a:xfrm>
+      </p:grpSpPr>
+      <p:sp>
+        <p:nvSpPr>
+          <p:cNvPr id="2" name="Titre 1">
+            <a:extLst>
+              <a:ext uri="{FF2B5EF4-FFF2-40B4-BE49-F238E27FC236}">
+                <a16:creationId xmlns:a16="http://schemas.microsoft.com/office/drawing/2014/main" id="{B64E486B-A7A4-5E34-F702-F6C237EBEDF7}"/>
+              </a:ext>
+            </a:extLst>
+          </p:cNvPr>
+          <p:cNvSpPr>
+            <a:spLocks noGrp="1"/>
+          </p:cNvSpPr>
+          <p:nvPr>
+            <p:ph type="title"/>
+          </p:nvPr>
+        </p:nvSpPr>
+        <p:spPr/>
+        <p:txBody>
+          <a:bodyPr/>
+          <a:lstStyle/>
+          <a:p>
+            <a:r>
+              <a:rPr lang="fr-FR" dirty="0"/>
+              <a:t>31</a:t>
+            </a:r>
+          </a:p>
+        </p:txBody>
+      </p:sp>
+      <p:pic>
+        <p:nvPicPr>
+          <p:cNvPr id="5" name="Espace réservé du contenu 4">
+            <a:extLst>
+              <a:ext uri="{FF2B5EF4-FFF2-40B4-BE49-F238E27FC236}">
+                <a16:creationId xmlns:a16="http://schemas.microsoft.com/office/drawing/2014/main" id="{AAFF23CE-F3B5-BE90-A8F5-5D7474237B8F}"/>
+              </a:ext>
+            </a:extLst>
+          </p:cNvPr>
+          <p:cNvPicPr>
+            <a:picLocks noGrp="1" noChangeAspect="1"/>
+          </p:cNvPicPr>
+          <p:nvPr>
+            <p:ph idx="1"/>
+          </p:nvPr>
+        </p:nvPicPr>
+        <p:blipFill>
+          <a:blip r:embed="rId2"/>
+          <a:stretch>
+            <a:fillRect/>
+          </a:stretch>
+        </p:blipFill>
+        <p:spPr>
+          <a:xfrm rot="11176221">
+            <a:off x="4298950" y="2470149"/>
+            <a:ext cx="3594100" cy="1917700"/>
+          </a:xfrm>
+        </p:spPr>
+      </p:pic>
+    </p:spTree>
+    <p:extLst>
+      <p:ext uri="{BB962C8B-B14F-4D97-AF65-F5344CB8AC3E}">
+        <p14:creationId xmlns:p14="http://schemas.microsoft.com/office/powerpoint/2010/main" val="2080867810"/>
+      </p:ext>
+    </p:extLst>
+  </p:cSld>
+  <p:clrMapOvr>
+    <a:masterClrMapping/>
+  </p:clrMapOvr>
+</p:sld>
+</file>
+
+<file path=ppt/slides/slide49.xml><?xml version="1.0" encoding="utf-8"?>
+<p:sld xmlns:a="http://schemas.openxmlformats.org/drawingml/2006/main" xmlns:r="http://schemas.openxmlformats.org/officeDocument/2006/relationships" xmlns:p="http://schemas.openxmlformats.org/presentationml/2006/main">
+  <p:cSld>
+    <p:spTree>
+      <p:nvGrpSpPr>
+        <p:cNvPr id="1" name=""/>
+        <p:cNvGrpSpPr/>
+        <p:nvPr/>
+      </p:nvGrpSpPr>
+      <p:grpSpPr>
+        <a:xfrm>
+          <a:off x="0" y="0"/>
+          <a:ext cx="0" cy="0"/>
+          <a:chOff x="0" y="0"/>
+          <a:chExt cx="0" cy="0"/>
+        </a:xfrm>
+      </p:grpSpPr>
+      <p:sp>
+        <p:nvSpPr>
+          <p:cNvPr id="2" name="Titre 1">
+            <a:extLst>
+              <a:ext uri="{FF2B5EF4-FFF2-40B4-BE49-F238E27FC236}">
+                <a16:creationId xmlns:a16="http://schemas.microsoft.com/office/drawing/2014/main" id="{1C775A8A-ADDF-1BC9-43CE-3CE4A1648195}"/>
+              </a:ext>
+            </a:extLst>
+          </p:cNvPr>
+          <p:cNvSpPr>
+            <a:spLocks noGrp="1"/>
+          </p:cNvSpPr>
+          <p:nvPr>
+            <p:ph type="title"/>
+          </p:nvPr>
+        </p:nvSpPr>
+        <p:spPr/>
+        <p:txBody>
+          <a:bodyPr/>
+          <a:lstStyle/>
+          <a:p>
+            <a:r>
+              <a:rPr lang="fr-FR" dirty="0"/>
+              <a:t>32</a:t>
+            </a:r>
+          </a:p>
+        </p:txBody>
+      </p:sp>
+      <p:pic>
+        <p:nvPicPr>
+          <p:cNvPr id="5" name="Espace réservé du contenu 4">
+            <a:extLst>
+              <a:ext uri="{FF2B5EF4-FFF2-40B4-BE49-F238E27FC236}">
+                <a16:creationId xmlns:a16="http://schemas.microsoft.com/office/drawing/2014/main" id="{AB8B923C-4A3F-7864-E945-2096485BEEE1}"/>
+              </a:ext>
+            </a:extLst>
+          </p:cNvPr>
+          <p:cNvPicPr>
+            <a:picLocks noGrp="1" noChangeAspect="1"/>
+          </p:cNvPicPr>
+          <p:nvPr>
+            <p:ph idx="1"/>
+          </p:nvPr>
+        </p:nvPicPr>
+        <p:blipFill>
+          <a:blip r:embed="rId2"/>
+          <a:stretch>
+            <a:fillRect/>
+          </a:stretch>
+        </p:blipFill>
+        <p:spPr>
+          <a:xfrm rot="11268956">
+            <a:off x="4375150" y="2953544"/>
+            <a:ext cx="3441700" cy="2095500"/>
+          </a:xfrm>
+        </p:spPr>
+      </p:pic>
+    </p:spTree>
+    <p:extLst>
+      <p:ext uri="{BB962C8B-B14F-4D97-AF65-F5344CB8AC3E}">
+        <p14:creationId xmlns:p14="http://schemas.microsoft.com/office/powerpoint/2010/main" val="1964575579"/>
       </p:ext>
     </p:extLst>
   </p:cSld>
@@ -6300,4 +9483,299 @@
     </a:ext>
   </a:extLst>
 </a:theme>
+</file>
+
+<file path=ppt/theme/theme2.xml><?xml version="1.0" encoding="utf-8"?>
+<a:theme xmlns:a="http://schemas.openxmlformats.org/drawingml/2006/main" name="Thème Office">
+  <a:themeElements>
+    <a:clrScheme name="Office">
+      <a:dk1>
+        <a:sysClr val="windowText" lastClr="000000"/>
+      </a:dk1>
+      <a:lt1>
+        <a:sysClr val="window" lastClr="FFFFFF"/>
+      </a:lt1>
+      <a:dk2>
+        <a:srgbClr val="44546A"/>
+      </a:dk2>
+      <a:lt2>
+        <a:srgbClr val="E7E6E6"/>
+      </a:lt2>
+      <a:accent1>
+        <a:srgbClr val="4472C4"/>
+      </a:accent1>
+      <a:accent2>
+        <a:srgbClr val="ED7D31"/>
+      </a:accent2>
+      <a:accent3>
+        <a:srgbClr val="A5A5A5"/>
+      </a:accent3>
+      <a:accent4>
+        <a:srgbClr val="FFC000"/>
+      </a:accent4>
+      <a:accent5>
+        <a:srgbClr val="5B9BD5"/>
+      </a:accent5>
+      <a:accent6>
+        <a:srgbClr val="70AD47"/>
+      </a:accent6>
+      <a:hlink>
+        <a:srgbClr val="0563C1"/>
+      </a:hlink>
+      <a:folHlink>
+        <a:srgbClr val="954F72"/>
+      </a:folHlink>
+    </a:clrScheme>
+    <a:fontScheme name="Office">
+      <a:majorFont>
+        <a:latin typeface="Calibri Light" panose="020F0302020204030204"/>
+        <a:ea typeface=""/>
+        <a:cs typeface=""/>
+        <a:font script="Jpan" typeface="游ゴシック Light"/>
+        <a:font script="Hang" typeface="맑은 고딕"/>
+        <a:font script="Hans" typeface="等线 Light"/>
+        <a:font script="Hant" typeface="新細明體"/>
+        <a:font script="Arab" typeface="Times New Roman"/>
+        <a:font script="Hebr" typeface="Times New Roman"/>
+        <a:font script="Thai" typeface="Angsana New"/>
+        <a:font script="Ethi" typeface="Nyala"/>
+        <a:font script="Beng" typeface="Vrinda"/>
+        <a:font script="Gujr" typeface="Shruti"/>
+        <a:font script="Khmr" typeface="MoolBoran"/>
+        <a:font script="Knda" typeface="Tunga"/>
+        <a:font script="Guru" typeface="Raavi"/>
+        <a:font script="Cans" typeface="Euphemia"/>
+        <a:font script="Cher" typeface="Plantagenet Cherokee"/>
+        <a:font script="Yiii" typeface="Microsoft Yi Baiti"/>
+        <a:font script="Tibt" typeface="Microsoft Himalaya"/>
+        <a:font script="Thaa" typeface="MV Boli"/>
+        <a:font script="Deva" typeface="Mangal"/>
+        <a:font script="Telu" typeface="Gautami"/>
+        <a:font script="Taml" typeface="Latha"/>
+        <a:font script="Syrc" typeface="Estrangelo Edessa"/>
+        <a:font script="Orya" typeface="Kalinga"/>
+        <a:font script="Mlym" typeface="Kartika"/>
+        <a:font script="Laoo" typeface="DokChampa"/>
+        <a:font script="Sinh" typeface="Iskoola Pota"/>
+        <a:font script="Mong" typeface="Mongolian Baiti"/>
+        <a:font script="Viet" typeface="Times New Roman"/>
+        <a:font script="Uigh" typeface="Microsoft Uighur"/>
+        <a:font script="Geor" typeface="Sylfaen"/>
+        <a:font script="Armn" typeface="Arial"/>
+        <a:font script="Bugi" typeface="Leelawadee UI"/>
+        <a:font script="Bopo" typeface="Microsoft JhengHei"/>
+        <a:font script="Java" typeface="Javanese Text"/>
+        <a:font script="Lisu" typeface="Segoe UI"/>
+        <a:font script="Mymr" typeface="Myanmar Text"/>
+        <a:font script="Nkoo" typeface="Ebrima"/>
+        <a:font script="Olck" typeface="Nirmala UI"/>
+        <a:font script="Osma" typeface="Ebrima"/>
+        <a:font script="Phag" typeface="Phagspa"/>
+        <a:font script="Syrn" typeface="Estrangelo Edessa"/>
+        <a:font script="Syrj" typeface="Estrangelo Edessa"/>
+        <a:font script="Syre" typeface="Estrangelo Edessa"/>
+        <a:font script="Sora" typeface="Nirmala UI"/>
+        <a:font script="Tale" typeface="Microsoft Tai Le"/>
+        <a:font script="Talu" typeface="Microsoft New Tai Lue"/>
+        <a:font script="Tfng" typeface="Ebrima"/>
+      </a:majorFont>
+      <a:minorFont>
+        <a:latin typeface="Calibri" panose="020F0502020204030204"/>
+        <a:ea typeface=""/>
+        <a:cs typeface=""/>
+        <a:font script="Jpan" typeface="游ゴシック"/>
+        <a:font script="Hang" typeface="맑은 고딕"/>
+        <a:font script="Hans" typeface="等线"/>
+        <a:font script="Hant" typeface="新細明體"/>
+        <a:font script="Arab" typeface="Arial"/>
+        <a:font script="Hebr" typeface="Arial"/>
+        <a:font script="Thai" typeface="Cordia New"/>
+        <a:font script="Ethi" typeface="Nyala"/>
+        <a:font script="Beng" typeface="Vrinda"/>
+        <a:font script="Gujr" typeface="Shruti"/>
+        <a:font script="Khmr" typeface="DaunPenh"/>
+        <a:font script="Knda" typeface="Tunga"/>
+        <a:font script="Guru" typeface="Raavi"/>
+        <a:font script="Cans" typeface="Euphemia"/>
+        <a:font script="Cher" typeface="Plantagenet Cherokee"/>
+        <a:font script="Yiii" typeface="Microsoft Yi Baiti"/>
+        <a:font script="Tibt" typeface="Microsoft Himalaya"/>
+        <a:font script="Thaa" typeface="MV Boli"/>
+        <a:font script="Deva" typeface="Mangal"/>
+        <a:font script="Telu" typeface="Gautami"/>
+        <a:font script="Taml" typeface="Latha"/>
+        <a:font script="Syrc" typeface="Estrangelo Edessa"/>
+        <a:font script="Orya" typeface="Kalinga"/>
+        <a:font script="Mlym" typeface="Kartika"/>
+        <a:font script="Laoo" typeface="DokChampa"/>
+        <a:font script="Sinh" typeface="Iskoola Pota"/>
+        <a:font script="Mong" typeface="Mongolian Baiti"/>
+        <a:font script="Viet" typeface="Arial"/>
+        <a:font script="Uigh" typeface="Microsoft Uighur"/>
+        <a:font script="Geor" typeface="Sylfaen"/>
+        <a:font script="Armn" typeface="Arial"/>
+        <a:font script="Bugi" typeface="Leelawadee UI"/>
+        <a:font script="Bopo" typeface="Microsoft JhengHei"/>
+        <a:font script="Java" typeface="Javanese Text"/>
+        <a:font script="Lisu" typeface="Segoe UI"/>
+        <a:font script="Mymr" typeface="Myanmar Text"/>
+        <a:font script="Nkoo" typeface="Ebrima"/>
+        <a:font script="Olck" typeface="Nirmala UI"/>
+        <a:font script="Osma" typeface="Ebrima"/>
+        <a:font script="Phag" typeface="Phagspa"/>
+        <a:font script="Syrn" typeface="Estrangelo Edessa"/>
+        <a:font script="Syrj" typeface="Estrangelo Edessa"/>
+        <a:font script="Syre" typeface="Estrangelo Edessa"/>
+        <a:font script="Sora" typeface="Nirmala UI"/>
+        <a:font script="Tale" typeface="Microsoft Tai Le"/>
+        <a:font script="Talu" typeface="Microsoft New Tai Lue"/>
+        <a:font script="Tfng" typeface="Ebrima"/>
+      </a:minorFont>
+    </a:fontScheme>
+    <a:fmtScheme name="Office">
+      <a:fillStyleLst>
+        <a:solidFill>
+          <a:schemeClr val="phClr"/>
+        </a:solidFill>
+        <a:gradFill rotWithShape="1">
+          <a:gsLst>
+            <a:gs pos="0">
+              <a:schemeClr val="phClr">
+                <a:lumMod val="110000"/>
+                <a:satMod val="105000"/>
+                <a:tint val="67000"/>
+              </a:schemeClr>
+            </a:gs>
+            <a:gs pos="50000">
+              <a:schemeClr val="phClr">
+                <a:lumMod val="105000"/>
+                <a:satMod val="103000"/>
+                <a:tint val="73000"/>
+              </a:schemeClr>
+            </a:gs>
+            <a:gs pos="100000">
+              <a:schemeClr val="phClr">
+                <a:lumMod val="105000"/>
+                <a:satMod val="109000"/>
+                <a:tint val="81000"/>
+              </a:schemeClr>
+            </a:gs>
+          </a:gsLst>
+          <a:lin ang="5400000" scaled="0"/>
+        </a:gradFill>
+        <a:gradFill rotWithShape="1">
+          <a:gsLst>
+            <a:gs pos="0">
+              <a:schemeClr val="phClr">
+                <a:satMod val="103000"/>
+                <a:lumMod val="102000"/>
+                <a:tint val="94000"/>
+              </a:schemeClr>
+            </a:gs>
+            <a:gs pos="50000">
+              <a:schemeClr val="phClr">
+                <a:satMod val="110000"/>
+                <a:lumMod val="100000"/>
+                <a:shade val="100000"/>
+              </a:schemeClr>
+            </a:gs>
+            <a:gs pos="100000">
+              <a:schemeClr val="phClr">
+                <a:lumMod val="99000"/>
+                <a:satMod val="120000"/>
+                <a:shade val="78000"/>
+              </a:schemeClr>
+            </a:gs>
+          </a:gsLst>
+          <a:lin ang="5400000" scaled="0"/>
+        </a:gradFill>
+      </a:fillStyleLst>
+      <a:lnStyleLst>
+        <a:ln w="6350" cap="flat" cmpd="sng" algn="ctr">
+          <a:solidFill>
+            <a:schemeClr val="phClr"/>
+          </a:solidFill>
+          <a:prstDash val="solid"/>
+          <a:miter lim="800000"/>
+        </a:ln>
+        <a:ln w="12700" cap="flat" cmpd="sng" algn="ctr">
+          <a:solidFill>
+            <a:schemeClr val="phClr"/>
+          </a:solidFill>
+          <a:prstDash val="solid"/>
+          <a:miter lim="800000"/>
+        </a:ln>
+        <a:ln w="19050" cap="flat" cmpd="sng" algn="ctr">
+          <a:solidFill>
+            <a:schemeClr val="phClr"/>
+          </a:solidFill>
+          <a:prstDash val="solid"/>
+          <a:miter lim="800000"/>
+        </a:ln>
+      </a:lnStyleLst>
+      <a:effectStyleLst>
+        <a:effectStyle>
+          <a:effectLst/>
+        </a:effectStyle>
+        <a:effectStyle>
+          <a:effectLst/>
+        </a:effectStyle>
+        <a:effectStyle>
+          <a:effectLst>
+            <a:outerShdw blurRad="57150" dist="19050" dir="5400000" algn="ctr" rotWithShape="0">
+              <a:srgbClr val="000000">
+                <a:alpha val="63000"/>
+              </a:srgbClr>
+            </a:outerShdw>
+          </a:effectLst>
+        </a:effectStyle>
+      </a:effectStyleLst>
+      <a:bgFillStyleLst>
+        <a:solidFill>
+          <a:schemeClr val="phClr"/>
+        </a:solidFill>
+        <a:solidFill>
+          <a:schemeClr val="phClr">
+            <a:tint val="95000"/>
+            <a:satMod val="170000"/>
+          </a:schemeClr>
+        </a:solidFill>
+        <a:gradFill rotWithShape="1">
+          <a:gsLst>
+            <a:gs pos="0">
+              <a:schemeClr val="phClr">
+                <a:tint val="93000"/>
+                <a:satMod val="150000"/>
+                <a:shade val="98000"/>
+                <a:lumMod val="102000"/>
+              </a:schemeClr>
+            </a:gs>
+            <a:gs pos="50000">
+              <a:schemeClr val="phClr">
+                <a:tint val="98000"/>
+                <a:satMod val="130000"/>
+                <a:shade val="90000"/>
+                <a:lumMod val="103000"/>
+              </a:schemeClr>
+            </a:gs>
+            <a:gs pos="100000">
+              <a:schemeClr val="phClr">
+                <a:shade val="63000"/>
+                <a:satMod val="120000"/>
+              </a:schemeClr>
+            </a:gs>
+          </a:gsLst>
+          <a:lin ang="5400000" scaled="0"/>
+        </a:gradFill>
+      </a:bgFillStyleLst>
+    </a:fmtScheme>
+  </a:themeElements>
+  <a:objectDefaults/>
+  <a:extraClrSchemeLst/>
+  <a:extLst>
+    <a:ext uri="{05A4C25C-085E-4340-85A3-A5531E510DB2}">
+      <thm15:themeFamily xmlns:thm15="http://schemas.microsoft.com/office/thememl/2012/main" name="Office Theme" id="{62F939B6-93AF-4DB8-9C6B-D6C7DFDC589F}" vid="{4A3C46E8-61CC-4603-A589-7422A47A8E4A}"/>
+    </a:ext>
+  </a:extLst>
+</a:theme>
 </file>